--- a/sgipc.pptx
+++ b/sgipc.pptx
@@ -5,7 +5,7 @@
     <p:sldMasterId id="2147483648" r:id="rId1"/>
   </p:sldMasterIdLst>
   <p:notesMasterIdLst>
-    <p:notesMasterId r:id="rId21"/>
+    <p:notesMasterId r:id="rId23"/>
   </p:notesMasterIdLst>
   <p:sldIdLst>
     <p:sldId id="256" r:id="rId2"/>
@@ -24,9 +24,11 @@
     <p:sldId id="276" r:id="rId15"/>
     <p:sldId id="280" r:id="rId16"/>
     <p:sldId id="281" r:id="rId17"/>
-    <p:sldId id="266" r:id="rId18"/>
-    <p:sldId id="275" r:id="rId19"/>
-    <p:sldId id="273" r:id="rId20"/>
+    <p:sldId id="285" r:id="rId18"/>
+    <p:sldId id="284" r:id="rId19"/>
+    <p:sldId id="266" r:id="rId20"/>
+    <p:sldId id="275" r:id="rId21"/>
+    <p:sldId id="273" r:id="rId22"/>
   </p:sldIdLst>
   <p:sldSz cx="9144000" cy="6858000" type="screen4x3"/>
   <p:notesSz cx="9144000" cy="6858000"/>
@@ -144,6 +146,18 @@
 </p:presentation>
 </file>
 
+<file path=ppt/commentAuthors.xml><?xml version="1.0" encoding="utf-8"?>
+<p:cmAuthorLst xmlns:a="http://schemas.openxmlformats.org/drawingml/2006/main" xmlns:r="http://schemas.openxmlformats.org/officeDocument/2006/relationships" xmlns:p="http://schemas.openxmlformats.org/presentationml/2006/main">
+  <p:cmAuthor id="1" name="imSourav 14" initials="i1" lastIdx="1" clrIdx="0">
+    <p:extLst>
+      <p:ext uri="{19B8F6BF-5375-455C-9EA6-DF929625EA0E}">
+        <p15:presenceInfo xmlns:p15="http://schemas.microsoft.com/office/powerpoint/2012/main" userId="2906c5a6d6369f5e" providerId="Windows Live"/>
+      </p:ext>
+    </p:extLst>
+  </p:cmAuthor>
+</p:cmAuthorLst>
+</file>
+
 <file path=ppt/notesMasters/notesMaster1.xml><?xml version="1.0" encoding="utf-8"?>
 <p:notesMaster xmlns:a="http://schemas.openxmlformats.org/drawingml/2006/main" xmlns:r="http://schemas.openxmlformats.org/officeDocument/2006/relationships" xmlns:p="http://schemas.openxmlformats.org/presentationml/2006/main">
   <p:cSld>
@@ -226,7 +240,7 @@
           <a:p>
             <a:fld id="{2E97B728-F235-4EE6-8013-1CC8FE8A1F0C}" type="datetimeFigureOut">
               <a:rPr lang="en-US" smtClean="0"/>
-              <a:t>23-Jun-19</a:t>
+              <a:t>28-Jun-19</a:t>
             </a:fld>
             <a:endParaRPr lang="en-US"/>
           </a:p>
@@ -809,9 +823,9 @@
             </a:lvl1pPr>
           </a:lstStyle>
           <a:p>
-            <a:fld id="{1D8BD707-D9CF-40AE-B4C6-C98DA3205C09}" type="datetimeFigureOut">
-              <a:rPr lang="en-US"/>
-              <a:t>23-Jun-19</a:t>
+            <a:fld id="{6063D040-CDB2-4F48-A86E-ADC9ED169FFB}" type="datetime1">
+              <a:rPr lang="en-US" smtClean="0"/>
+              <a:t>28-Jun-19</a:t>
             </a:fld>
             <a:endParaRPr lang="en-US"/>
           </a:p>
@@ -986,9 +1000,9 @@
             </a:lvl1pPr>
           </a:lstStyle>
           <a:p>
-            <a:fld id="{1D8BD707-D9CF-40AE-B4C6-C98DA3205C09}" type="datetimeFigureOut">
-              <a:rPr lang="en-US"/>
-              <a:t>23-Jun-19</a:t>
+            <a:fld id="{00497CE8-9399-497C-979E-649C57C95A92}" type="datetime1">
+              <a:rPr lang="en-US" smtClean="0"/>
+              <a:t>28-Jun-19</a:t>
             </a:fld>
             <a:endParaRPr lang="en-US"/>
           </a:p>
@@ -1200,9 +1214,9 @@
             </a:lvl1pPr>
           </a:lstStyle>
           <a:p>
-            <a:fld id="{1D8BD707-D9CF-40AE-B4C6-C98DA3205C09}" type="datetimeFigureOut">
-              <a:rPr lang="en-US"/>
-              <a:t>23-Jun-19</a:t>
+            <a:fld id="{2CE6E78B-AD60-4025-B0CD-6519C3BAA4CA}" type="datetime1">
+              <a:rPr lang="en-US" smtClean="0"/>
+              <a:t>28-Jun-19</a:t>
             </a:fld>
             <a:endParaRPr lang="en-US"/>
           </a:p>
@@ -1348,9 +1362,9 @@
             </a:lvl1pPr>
           </a:lstStyle>
           <a:p>
-            <a:fld id="{1D8BD707-D9CF-40AE-B4C6-C98DA3205C09}" type="datetimeFigureOut">
-              <a:rPr lang="en-US"/>
-              <a:t>23-Jun-19</a:t>
+            <a:fld id="{97B8EF6D-F61A-47B5-81DE-8C2D0B1E4C65}" type="datetime1">
+              <a:rPr lang="en-US" smtClean="0"/>
+              <a:t>28-Jun-19</a:t>
             </a:fld>
             <a:endParaRPr lang="en-US"/>
           </a:p>
@@ -1467,9 +1481,9 @@
             </a:lvl1pPr>
           </a:lstStyle>
           <a:p>
-            <a:fld id="{1D8BD707-D9CF-40AE-B4C6-C98DA3205C09}" type="datetimeFigureOut">
-              <a:rPr lang="en-US"/>
-              <a:t>23-Jun-19</a:t>
+            <a:fld id="{87D803F8-E973-4534-8DC3-931731991085}" type="datetime1">
+              <a:rPr lang="en-US" smtClean="0"/>
+              <a:t>28-Jun-19</a:t>
             </a:fld>
             <a:endParaRPr lang="en-US"/>
           </a:p>
@@ -1692,9 +1706,9 @@
             </a:lvl1pPr>
           </a:lstStyle>
           <a:p>
-            <a:fld id="{1D8BD707-D9CF-40AE-B4C6-C98DA3205C09}" type="datetimeFigureOut">
-              <a:rPr lang="en-US"/>
-              <a:t>23-Jun-19</a:t>
+            <a:fld id="{C252DB16-694C-4AD9-B4C7-CA89CB6A97D0}" type="datetime1">
+              <a:rPr lang="en-US" smtClean="0"/>
+              <a:t>28-Jun-19</a:t>
             </a:fld>
             <a:endParaRPr lang="en-US"/>
           </a:p>
@@ -1752,6 +1766,7 @@
     <p:sldLayoutId id="2147483664" r:id="rId4"/>
     <p:sldLayoutId id="2147483665" r:id="rId5"/>
   </p:sldLayoutIdLst>
+  <p:hf hdr="0" ftr="0"/>
   <p:txStyles>
     <p:titleStyle>
       <a:lvl1pPr>
@@ -2192,21 +2207,63 @@
           </a:p>
         </p:txBody>
       </p:sp>
+      <p:sp>
+        <p:nvSpPr>
+          <p:cNvPr id="7" name="Date Placeholder 6"/>
+          <p:cNvSpPr>
+            <a:spLocks noGrp="1"/>
+          </p:cNvSpPr>
+          <p:nvPr>
+            <p:ph type="dt" sz="half" idx="6"/>
+          </p:nvPr>
+        </p:nvSpPr>
+        <p:spPr/>
+        <p:txBody>
+          <a:bodyPr/>
+          <a:lstStyle/>
+          <a:p>
+            <a:fld id="{E8D3C27E-5F15-4E86-80CC-B5AF94BE0615}" type="datetime1">
+              <a:rPr lang="en-US" smtClean="0"/>
+              <a:t>28-Jun-19</a:t>
+            </a:fld>
+            <a:endParaRPr lang="en-US"/>
+          </a:p>
+        </p:txBody>
+      </p:sp>
+      <p:sp>
+        <p:nvSpPr>
+          <p:cNvPr id="9" name="Slide Number Placeholder 8"/>
+          <p:cNvSpPr>
+            <a:spLocks noGrp="1"/>
+          </p:cNvSpPr>
+          <p:nvPr>
+            <p:ph type="sldNum" sz="quarter" idx="7"/>
+          </p:nvPr>
+        </p:nvSpPr>
+        <p:spPr/>
+        <p:txBody>
+          <a:bodyPr/>
+          <a:lstStyle/>
+          <a:p>
+            <a:fld id="{B6F15528-21DE-4FAA-801E-634DDDAF4B2B}" type="slidenum">
+              <a:rPr lang="en-US" smtClean="0"/>
+              <a:t>1</a:t>
+            </a:fld>
+            <a:endParaRPr lang="en-US"/>
+          </a:p>
+        </p:txBody>
+      </p:sp>
     </p:spTree>
   </p:cSld>
   <p:clrMapOvr>
     <a:masterClrMapping/>
   </p:clrMapOvr>
-  <mc:AlternateContent xmlns:mc="http://schemas.openxmlformats.org/markup-compatibility/2006" xmlns:p15="http://schemas.microsoft.com/office/powerpoint/2012/main">
-    <mc:Choice Requires="p15">
-      <p:transition xmlns:p14="http://schemas.microsoft.com/office/powerpoint/2010/main" spd="slow" p14:dur="2000">
-        <p15:prstTrans prst="fallOver"/>
-      </p:transition>
+  <mc:AlternateContent xmlns:mc="http://schemas.openxmlformats.org/markup-compatibility/2006" xmlns:p14="http://schemas.microsoft.com/office/powerpoint/2010/main">
+    <mc:Choice Requires="p14">
+      <p:transition p14:dur="10"/>
     </mc:Choice>
     <mc:Fallback xmlns="">
-      <p:transition spd="slow">
-        <p:fade/>
-      </p:transition>
+      <p:transition/>
     </mc:Fallback>
   </mc:AlternateContent>
   <p:timing>
@@ -2230,7 +2287,7 @@
                             </p:stCondLst>
                             <p:childTnLst>
                               <p:par>
-                                <p:cTn id="5" presetID="26" presetClass="entr" presetSubtype="0" fill="hold" grpId="0" nodeType="clickEffect">
+                                <p:cTn id="5" presetID="2" presetClass="entr" presetSubtype="4" fill="hold" grpId="0" nodeType="clickEffect">
                                   <p:stCondLst>
                                     <p:cond delay="0"/>
                                   </p:stCondLst>
@@ -2253,25 +2310,9 @@
                                         <p:strVal val="visible"/>
                                       </p:to>
                                     </p:set>
-                                    <p:animEffect transition="in" filter="wipe(down)">
-                                      <p:cBhvr>
-                                        <p:cTn id="7" dur="580">
-                                          <p:stCondLst>
-                                            <p:cond delay="0"/>
-                                          </p:stCondLst>
-                                        </p:cTn>
-                                        <p:tgtEl>
-                                          <p:spTgt spid="2"/>
-                                        </p:tgtEl>
-                                      </p:cBhvr>
-                                    </p:animEffect>
                                     <p:anim calcmode="lin" valueType="num">
-                                      <p:cBhvr>
-                                        <p:cTn id="8" dur="1822" tmFilter="0,0; 0.14,0.36; 0.43,0.73; 0.71,0.91; 1.0,1.0">
-                                          <p:stCondLst>
-                                            <p:cond delay="0"/>
-                                          </p:stCondLst>
-                                        </p:cTn>
+                                      <p:cBhvr additive="base">
+                                        <p:cTn id="7" dur="500" fill="hold"/>
                                         <p:tgtEl>
                                           <p:spTgt spid="2"/>
                                         </p:tgtEl>
@@ -2282,7 +2323,7 @@
                                       <p:tavLst>
                                         <p:tav tm="0">
                                           <p:val>
-                                            <p:strVal val="#ppt_x-0.25"/>
+                                            <p:strVal val="#ppt_x"/>
                                           </p:val>
                                         </p:tav>
                                         <p:tav tm="100000">
@@ -2293,12 +2334,8 @@
                                       </p:tavLst>
                                     </p:anim>
                                     <p:anim calcmode="lin" valueType="num">
-                                      <p:cBhvr>
-                                        <p:cTn id="9" dur="664" tmFilter="0.0,0.0; 0.25,0.07; 0.50,0.2; 0.75,0.467; 1.0,1.0">
-                                          <p:stCondLst>
-                                            <p:cond delay="0"/>
-                                          </p:stCondLst>
-                                        </p:cTn>
+                                      <p:cBhvr additive="base">
+                                        <p:cTn id="8" dur="500" fill="hold"/>
                                         <p:tgtEl>
                                           <p:spTgt spid="2"/>
                                         </p:tgtEl>
@@ -2307,203 +2344,18 @@
                                         </p:attrNameLst>
                                       </p:cBhvr>
                                       <p:tavLst>
-                                        <p:tav tm="0" fmla="#ppt_y-sin(pi*$)/3">
+                                        <p:tav tm="0">
                                           <p:val>
-                                            <p:fltVal val="0.5"/>
+                                            <p:strVal val="1+#ppt_h/2"/>
                                           </p:val>
                                         </p:tav>
                                         <p:tav tm="100000">
                                           <p:val>
-                                            <p:fltVal val="1"/>
+                                            <p:strVal val="#ppt_y"/>
                                           </p:val>
                                         </p:tav>
                                       </p:tavLst>
                                     </p:anim>
-                                    <p:anim calcmode="lin" valueType="num">
-                                      <p:cBhvr>
-                                        <p:cTn id="10" dur="664" tmFilter="0, 0; 0.125,0.2665; 0.25,0.4; 0.375,0.465; 0.5,0.5;  0.625,0.535; 0.75,0.6; 0.875,0.7335; 1,1">
-                                          <p:stCondLst>
-                                            <p:cond delay="664"/>
-                                          </p:stCondLst>
-                                        </p:cTn>
-                                        <p:tgtEl>
-                                          <p:spTgt spid="2"/>
-                                        </p:tgtEl>
-                                        <p:attrNameLst>
-                                          <p:attrName>ppt_y</p:attrName>
-                                        </p:attrNameLst>
-                                      </p:cBhvr>
-                                      <p:tavLst>
-                                        <p:tav tm="0" fmla="#ppt_y-sin(pi*$)/9">
-                                          <p:val>
-                                            <p:fltVal val="0"/>
-                                          </p:val>
-                                        </p:tav>
-                                        <p:tav tm="100000">
-                                          <p:val>
-                                            <p:fltVal val="1"/>
-                                          </p:val>
-                                        </p:tav>
-                                      </p:tavLst>
-                                    </p:anim>
-                                    <p:anim calcmode="lin" valueType="num">
-                                      <p:cBhvr>
-                                        <p:cTn id="11" dur="332" tmFilter="0, 0; 0.125,0.2665; 0.25,0.4; 0.375,0.465; 0.5,0.5;  0.625,0.535; 0.75,0.6; 0.875,0.7335; 1,1">
-                                          <p:stCondLst>
-                                            <p:cond delay="1324"/>
-                                          </p:stCondLst>
-                                        </p:cTn>
-                                        <p:tgtEl>
-                                          <p:spTgt spid="2"/>
-                                        </p:tgtEl>
-                                        <p:attrNameLst>
-                                          <p:attrName>ppt_y</p:attrName>
-                                        </p:attrNameLst>
-                                      </p:cBhvr>
-                                      <p:tavLst>
-                                        <p:tav tm="0" fmla="#ppt_y-sin(pi*$)/27">
-                                          <p:val>
-                                            <p:fltVal val="0"/>
-                                          </p:val>
-                                        </p:tav>
-                                        <p:tav tm="100000">
-                                          <p:val>
-                                            <p:fltVal val="1"/>
-                                          </p:val>
-                                        </p:tav>
-                                      </p:tavLst>
-                                    </p:anim>
-                                    <p:anim calcmode="lin" valueType="num">
-                                      <p:cBhvr>
-                                        <p:cTn id="12" dur="164" tmFilter="0, 0; 0.125,0.2665; 0.25,0.4; 0.375,0.465; 0.5,0.5;  0.625,0.535; 0.75,0.6; 0.875,0.7335; 1,1">
-                                          <p:stCondLst>
-                                            <p:cond delay="1656"/>
-                                          </p:stCondLst>
-                                        </p:cTn>
-                                        <p:tgtEl>
-                                          <p:spTgt spid="2"/>
-                                        </p:tgtEl>
-                                        <p:attrNameLst>
-                                          <p:attrName>ppt_y</p:attrName>
-                                        </p:attrNameLst>
-                                      </p:cBhvr>
-                                      <p:tavLst>
-                                        <p:tav tm="0" fmla="#ppt_y-sin(pi*$)/81">
-                                          <p:val>
-                                            <p:fltVal val="0"/>
-                                          </p:val>
-                                        </p:tav>
-                                        <p:tav tm="100000">
-                                          <p:val>
-                                            <p:fltVal val="1"/>
-                                          </p:val>
-                                        </p:tav>
-                                      </p:tavLst>
-                                    </p:anim>
-                                    <p:animScale>
-                                      <p:cBhvr>
-                                        <p:cTn id="13" dur="26">
-                                          <p:stCondLst>
-                                            <p:cond delay="650"/>
-                                          </p:stCondLst>
-                                        </p:cTn>
-                                        <p:tgtEl>
-                                          <p:spTgt spid="2"/>
-                                        </p:tgtEl>
-                                      </p:cBhvr>
-                                      <p:to x="100000" y="60000"/>
-                                    </p:animScale>
-                                    <p:animScale>
-                                      <p:cBhvr>
-                                        <p:cTn id="14" dur="166" decel="50000">
-                                          <p:stCondLst>
-                                            <p:cond delay="676"/>
-                                          </p:stCondLst>
-                                        </p:cTn>
-                                        <p:tgtEl>
-                                          <p:spTgt spid="2"/>
-                                        </p:tgtEl>
-                                      </p:cBhvr>
-                                      <p:to x="100000" y="100000"/>
-                                    </p:animScale>
-                                    <p:animScale>
-                                      <p:cBhvr>
-                                        <p:cTn id="15" dur="26">
-                                          <p:stCondLst>
-                                            <p:cond delay="1312"/>
-                                          </p:stCondLst>
-                                        </p:cTn>
-                                        <p:tgtEl>
-                                          <p:spTgt spid="2"/>
-                                        </p:tgtEl>
-                                      </p:cBhvr>
-                                      <p:to x="100000" y="80000"/>
-                                    </p:animScale>
-                                    <p:animScale>
-                                      <p:cBhvr>
-                                        <p:cTn id="16" dur="166" decel="50000">
-                                          <p:stCondLst>
-                                            <p:cond delay="1338"/>
-                                          </p:stCondLst>
-                                        </p:cTn>
-                                        <p:tgtEl>
-                                          <p:spTgt spid="2"/>
-                                        </p:tgtEl>
-                                      </p:cBhvr>
-                                      <p:to x="100000" y="100000"/>
-                                    </p:animScale>
-                                    <p:animScale>
-                                      <p:cBhvr>
-                                        <p:cTn id="17" dur="26">
-                                          <p:stCondLst>
-                                            <p:cond delay="1642"/>
-                                          </p:stCondLst>
-                                        </p:cTn>
-                                        <p:tgtEl>
-                                          <p:spTgt spid="2"/>
-                                        </p:tgtEl>
-                                      </p:cBhvr>
-                                      <p:to x="100000" y="90000"/>
-                                    </p:animScale>
-                                    <p:animScale>
-                                      <p:cBhvr>
-                                        <p:cTn id="18" dur="166" decel="50000">
-                                          <p:stCondLst>
-                                            <p:cond delay="1668"/>
-                                          </p:stCondLst>
-                                        </p:cTn>
-                                        <p:tgtEl>
-                                          <p:spTgt spid="2"/>
-                                        </p:tgtEl>
-                                      </p:cBhvr>
-                                      <p:to x="100000" y="100000"/>
-                                    </p:animScale>
-                                    <p:animScale>
-                                      <p:cBhvr>
-                                        <p:cTn id="19" dur="26">
-                                          <p:stCondLst>
-                                            <p:cond delay="1808"/>
-                                          </p:stCondLst>
-                                        </p:cTn>
-                                        <p:tgtEl>
-                                          <p:spTgt spid="2"/>
-                                        </p:tgtEl>
-                                      </p:cBhvr>
-                                      <p:to x="100000" y="95000"/>
-                                    </p:animScale>
-                                    <p:animScale>
-                                      <p:cBhvr>
-                                        <p:cTn id="20" dur="166" decel="50000">
-                                          <p:stCondLst>
-                                            <p:cond delay="1834"/>
-                                          </p:stCondLst>
-                                        </p:cTn>
-                                        <p:tgtEl>
-                                          <p:spTgt spid="2"/>
-                                        </p:tgtEl>
-                                      </p:cBhvr>
-                                      <p:to x="100000" y="100000"/>
-                                    </p:animScale>
                                   </p:childTnLst>
                                 </p:cTn>
                               </p:par>
@@ -2544,6 +2396,19 @@
 <file path=ppt/slides/slide10.xml><?xml version="1.0" encoding="utf-8"?>
 <p:sld xmlns:a="http://schemas.openxmlformats.org/drawingml/2006/main" xmlns:r="http://schemas.openxmlformats.org/officeDocument/2006/relationships" xmlns:p="http://schemas.openxmlformats.org/presentationml/2006/main" showMasterSp="0">
   <p:cSld>
+    <p:bg>
+      <p:bgPr>
+        <a:pattFill prst="pct5">
+          <a:fgClr>
+            <a:schemeClr val="accent1"/>
+          </a:fgClr>
+          <a:bgClr>
+            <a:schemeClr val="bg1"/>
+          </a:bgClr>
+        </a:pattFill>
+        <a:effectLst/>
+      </p:bgPr>
+    </p:bg>
     <p:spTree>
       <p:nvGrpSpPr>
         <p:cNvPr id="1" name=""/>
@@ -2648,6 +2513,52 @@
           </a:prstGeom>
         </p:spPr>
       </p:pic>
+      <p:sp>
+        <p:nvSpPr>
+          <p:cNvPr id="4" name="Slide Number Placeholder 3"/>
+          <p:cNvSpPr>
+            <a:spLocks noGrp="1"/>
+          </p:cNvSpPr>
+          <p:nvPr>
+            <p:ph type="sldNum" sz="quarter" idx="7"/>
+          </p:nvPr>
+        </p:nvSpPr>
+        <p:spPr/>
+        <p:txBody>
+          <a:bodyPr/>
+          <a:lstStyle/>
+          <a:p>
+            <a:fld id="{B6F15528-21DE-4FAA-801E-634DDDAF4B2B}" type="slidenum">
+              <a:rPr lang="en-US" smtClean="0"/>
+              <a:t>10</a:t>
+            </a:fld>
+            <a:endParaRPr lang="en-US"/>
+          </a:p>
+        </p:txBody>
+      </p:sp>
+      <p:sp>
+        <p:nvSpPr>
+          <p:cNvPr id="5" name="Date Placeholder 4"/>
+          <p:cNvSpPr>
+            <a:spLocks noGrp="1"/>
+          </p:cNvSpPr>
+          <p:nvPr>
+            <p:ph type="dt" sz="half" idx="6"/>
+          </p:nvPr>
+        </p:nvSpPr>
+        <p:spPr/>
+        <p:txBody>
+          <a:bodyPr/>
+          <a:lstStyle/>
+          <a:p>
+            <a:fld id="{C331A29D-76B7-4F79-A8F7-0B278E0C1544}" type="datetime1">
+              <a:rPr lang="en-US" smtClean="0"/>
+              <a:t>28-Jun-19</a:t>
+            </a:fld>
+            <a:endParaRPr lang="en-US"/>
+          </a:p>
+        </p:txBody>
+      </p:sp>
     </p:spTree>
   </p:cSld>
   <p:clrMapOvr>
@@ -2824,6 +2735,52 @@
           </a:extLst>
         </p:spPr>
       </p:pic>
+      <p:sp>
+        <p:nvSpPr>
+          <p:cNvPr id="6" name="Slide Number Placeholder 5"/>
+          <p:cNvSpPr>
+            <a:spLocks noGrp="1"/>
+          </p:cNvSpPr>
+          <p:nvPr>
+            <p:ph type="sldNum" sz="quarter" idx="7"/>
+          </p:nvPr>
+        </p:nvSpPr>
+        <p:spPr/>
+        <p:txBody>
+          <a:bodyPr/>
+          <a:lstStyle/>
+          <a:p>
+            <a:fld id="{B6F15528-21DE-4FAA-801E-634DDDAF4B2B}" type="slidenum">
+              <a:rPr lang="en-US" smtClean="0"/>
+              <a:t>11</a:t>
+            </a:fld>
+            <a:endParaRPr lang="en-US"/>
+          </a:p>
+        </p:txBody>
+      </p:sp>
+      <p:sp>
+        <p:nvSpPr>
+          <p:cNvPr id="7" name="Date Placeholder 6"/>
+          <p:cNvSpPr>
+            <a:spLocks noGrp="1"/>
+          </p:cNvSpPr>
+          <p:nvPr>
+            <p:ph type="dt" sz="half" idx="6"/>
+          </p:nvPr>
+        </p:nvSpPr>
+        <p:spPr/>
+        <p:txBody>
+          <a:bodyPr/>
+          <a:lstStyle/>
+          <a:p>
+            <a:fld id="{15DA28F7-428E-4D9A-8C5F-ED870F8E7FF8}" type="datetime1">
+              <a:rPr lang="en-US" smtClean="0"/>
+              <a:t>28-Jun-19</a:t>
+            </a:fld>
+            <a:endParaRPr lang="en-US"/>
+          </a:p>
+        </p:txBody>
+      </p:sp>
     </p:spTree>
     <p:extLst>
       <p:ext uri="{BB962C8B-B14F-4D97-AF65-F5344CB8AC3E}">
@@ -2938,6 +2895,19 @@
 <file path=ppt/slides/slide12.xml><?xml version="1.0" encoding="utf-8"?>
 <p:sld xmlns:a="http://schemas.openxmlformats.org/drawingml/2006/main" xmlns:r="http://schemas.openxmlformats.org/officeDocument/2006/relationships" xmlns:p="http://schemas.openxmlformats.org/presentationml/2006/main" showMasterSp="0">
   <p:cSld>
+    <p:bg>
+      <p:bgPr>
+        <a:pattFill prst="pct5">
+          <a:fgClr>
+            <a:schemeClr val="accent1"/>
+          </a:fgClr>
+          <a:bgClr>
+            <a:schemeClr val="bg1"/>
+          </a:bgClr>
+        </a:pattFill>
+        <a:effectLst/>
+      </p:bgPr>
+    </p:bg>
     <p:spTree>
       <p:nvGrpSpPr>
         <p:cNvPr id="1" name=""/>
@@ -3018,6 +2988,52 @@
           </a:prstGeom>
         </p:spPr>
       </p:pic>
+      <p:sp>
+        <p:nvSpPr>
+          <p:cNvPr id="4" name="Slide Number Placeholder 3"/>
+          <p:cNvSpPr>
+            <a:spLocks noGrp="1"/>
+          </p:cNvSpPr>
+          <p:nvPr>
+            <p:ph type="sldNum" sz="quarter" idx="7"/>
+          </p:nvPr>
+        </p:nvSpPr>
+        <p:spPr/>
+        <p:txBody>
+          <a:bodyPr/>
+          <a:lstStyle/>
+          <a:p>
+            <a:fld id="{B6F15528-21DE-4FAA-801E-634DDDAF4B2B}" type="slidenum">
+              <a:rPr lang="en-US" smtClean="0"/>
+              <a:t>12</a:t>
+            </a:fld>
+            <a:endParaRPr lang="en-US"/>
+          </a:p>
+        </p:txBody>
+      </p:sp>
+      <p:sp>
+        <p:nvSpPr>
+          <p:cNvPr id="6" name="Date Placeholder 5"/>
+          <p:cNvSpPr>
+            <a:spLocks noGrp="1"/>
+          </p:cNvSpPr>
+          <p:nvPr>
+            <p:ph type="dt" sz="half" idx="6"/>
+          </p:nvPr>
+        </p:nvSpPr>
+        <p:spPr/>
+        <p:txBody>
+          <a:bodyPr/>
+          <a:lstStyle/>
+          <a:p>
+            <a:fld id="{A8D17EEC-029A-4379-8534-112CE2858293}" type="datetime1">
+              <a:rPr lang="en-US" smtClean="0"/>
+              <a:t>28-Jun-19</a:t>
+            </a:fld>
+            <a:endParaRPr lang="en-US"/>
+          </a:p>
+        </p:txBody>
+      </p:sp>
     </p:spTree>
     <p:extLst>
       <p:ext uri="{BB962C8B-B14F-4D97-AF65-F5344CB8AC3E}">
@@ -3053,6 +3069,19 @@
 <file path=ppt/slides/slide13.xml><?xml version="1.0" encoding="utf-8"?>
 <p:sld xmlns:a="http://schemas.openxmlformats.org/drawingml/2006/main" xmlns:r="http://schemas.openxmlformats.org/officeDocument/2006/relationships" xmlns:p="http://schemas.openxmlformats.org/presentationml/2006/main">
   <p:cSld>
+    <p:bg>
+      <p:bgPr>
+        <a:pattFill prst="pct5">
+          <a:fgClr>
+            <a:schemeClr val="accent1"/>
+          </a:fgClr>
+          <a:bgClr>
+            <a:schemeClr val="bg1"/>
+          </a:bgClr>
+        </a:pattFill>
+        <a:effectLst/>
+      </p:bgPr>
+    </p:bg>
     <p:spTree>
       <p:nvGrpSpPr>
         <p:cNvPr id="1" name=""/>
@@ -3547,6 +3576,52 @@
           </a:prstGeom>
         </p:spPr>
       </p:pic>
+      <p:sp>
+        <p:nvSpPr>
+          <p:cNvPr id="6" name="Slide Number Placeholder 5"/>
+          <p:cNvSpPr>
+            <a:spLocks noGrp="1"/>
+          </p:cNvSpPr>
+          <p:nvPr>
+            <p:ph type="sldNum" sz="quarter" idx="7"/>
+          </p:nvPr>
+        </p:nvSpPr>
+        <p:spPr/>
+        <p:txBody>
+          <a:bodyPr/>
+          <a:lstStyle/>
+          <a:p>
+            <a:fld id="{B6F15528-21DE-4FAA-801E-634DDDAF4B2B}" type="slidenum">
+              <a:rPr lang="en-US" smtClean="0"/>
+              <a:t>13</a:t>
+            </a:fld>
+            <a:endParaRPr lang="en-US"/>
+          </a:p>
+        </p:txBody>
+      </p:sp>
+      <p:sp>
+        <p:nvSpPr>
+          <p:cNvPr id="7" name="Date Placeholder 6"/>
+          <p:cNvSpPr>
+            <a:spLocks noGrp="1"/>
+          </p:cNvSpPr>
+          <p:nvPr>
+            <p:ph type="dt" sz="half" idx="6"/>
+          </p:nvPr>
+        </p:nvSpPr>
+        <p:spPr/>
+        <p:txBody>
+          <a:bodyPr/>
+          <a:lstStyle/>
+          <a:p>
+            <a:fld id="{6E3E3331-F3E4-4363-BB08-51780A6EE54E}" type="datetime1">
+              <a:rPr lang="en-US" smtClean="0"/>
+              <a:t>28-Jun-19</a:t>
+            </a:fld>
+            <a:endParaRPr lang="en-US"/>
+          </a:p>
+        </p:txBody>
+      </p:sp>
     </p:spTree>
     <p:extLst>
       <p:ext uri="{BB962C8B-B14F-4D97-AF65-F5344CB8AC3E}">
@@ -3698,6 +3773,52 @@
               </a:solidFill>
               <a:latin typeface="Algerian" panose="04020705040A02060702" pitchFamily="82" charset="0"/>
             </a:endParaRPr>
+          </a:p>
+        </p:txBody>
+      </p:sp>
+      <p:sp>
+        <p:nvSpPr>
+          <p:cNvPr id="5" name="Slide Number Placeholder 4"/>
+          <p:cNvSpPr>
+            <a:spLocks noGrp="1"/>
+          </p:cNvSpPr>
+          <p:nvPr>
+            <p:ph type="sldNum" sz="quarter" idx="7"/>
+          </p:nvPr>
+        </p:nvSpPr>
+        <p:spPr/>
+        <p:txBody>
+          <a:bodyPr/>
+          <a:lstStyle/>
+          <a:p>
+            <a:fld id="{B6F15528-21DE-4FAA-801E-634DDDAF4B2B}" type="slidenum">
+              <a:rPr lang="en-US" smtClean="0"/>
+              <a:t>14</a:t>
+            </a:fld>
+            <a:endParaRPr lang="en-US"/>
+          </a:p>
+        </p:txBody>
+      </p:sp>
+      <p:sp>
+        <p:nvSpPr>
+          <p:cNvPr id="6" name="Date Placeholder 5"/>
+          <p:cNvSpPr>
+            <a:spLocks noGrp="1"/>
+          </p:cNvSpPr>
+          <p:nvPr>
+            <p:ph type="dt" sz="half" idx="6"/>
+          </p:nvPr>
+        </p:nvSpPr>
+        <p:spPr/>
+        <p:txBody>
+          <a:bodyPr/>
+          <a:lstStyle/>
+          <a:p>
+            <a:fld id="{5F462D64-35A1-4163-BDD8-953D6D70127F}" type="datetime1">
+              <a:rPr lang="en-US" smtClean="0"/>
+              <a:t>28-Jun-19</a:t>
+            </a:fld>
+            <a:endParaRPr lang="en-US"/>
           </a:p>
         </p:txBody>
       </p:sp>
@@ -3815,6 +3936,19 @@
 <file path=ppt/slides/slide15.xml><?xml version="1.0" encoding="utf-8"?>
 <p:sld xmlns:a="http://schemas.openxmlformats.org/drawingml/2006/main" xmlns:r="http://schemas.openxmlformats.org/officeDocument/2006/relationships" xmlns:p="http://schemas.openxmlformats.org/presentationml/2006/main">
   <p:cSld>
+    <p:bg>
+      <p:bgPr>
+        <a:pattFill prst="pct5">
+          <a:fgClr>
+            <a:schemeClr val="accent1"/>
+          </a:fgClr>
+          <a:bgClr>
+            <a:schemeClr val="bg1"/>
+          </a:bgClr>
+        </a:pattFill>
+        <a:effectLst/>
+      </p:bgPr>
+    </p:bg>
     <p:spTree>
       <p:nvGrpSpPr>
         <p:cNvPr id="1" name=""/>
@@ -4274,8 +4408,8 @@
         </p:blipFill>
         <p:spPr>
           <a:xfrm>
-            <a:off x="48481" y="2895600"/>
-            <a:ext cx="3218119" cy="3661601"/>
+            <a:off x="48481" y="2895601"/>
+            <a:ext cx="3218119" cy="3482340"/>
           </a:xfrm>
           <a:prstGeom prst="rect">
             <a:avLst/>
@@ -4299,13 +4433,59 @@
         <p:spPr>
           <a:xfrm>
             <a:off x="2807200" y="2881509"/>
-            <a:ext cx="6336800" cy="3661600"/>
+            <a:ext cx="6336800" cy="3496431"/>
           </a:xfrm>
           <a:prstGeom prst="rect">
             <a:avLst/>
           </a:prstGeom>
         </p:spPr>
       </p:pic>
+      <p:sp>
+        <p:nvSpPr>
+          <p:cNvPr id="7" name="Slide Number Placeholder 6"/>
+          <p:cNvSpPr>
+            <a:spLocks noGrp="1"/>
+          </p:cNvSpPr>
+          <p:nvPr>
+            <p:ph type="sldNum" sz="quarter" idx="7"/>
+          </p:nvPr>
+        </p:nvSpPr>
+        <p:spPr/>
+        <p:txBody>
+          <a:bodyPr/>
+          <a:lstStyle/>
+          <a:p>
+            <a:fld id="{B6F15528-21DE-4FAA-801E-634DDDAF4B2B}" type="slidenum">
+              <a:rPr lang="en-US" smtClean="0"/>
+              <a:t>15</a:t>
+            </a:fld>
+            <a:endParaRPr lang="en-US"/>
+          </a:p>
+        </p:txBody>
+      </p:sp>
+      <p:sp>
+        <p:nvSpPr>
+          <p:cNvPr id="8" name="Date Placeholder 7"/>
+          <p:cNvSpPr>
+            <a:spLocks noGrp="1"/>
+          </p:cNvSpPr>
+          <p:nvPr>
+            <p:ph type="dt" sz="half" idx="6"/>
+          </p:nvPr>
+        </p:nvSpPr>
+        <p:spPr/>
+        <p:txBody>
+          <a:bodyPr/>
+          <a:lstStyle/>
+          <a:p>
+            <a:fld id="{427B60DF-A743-41A7-892A-7BC8DBFE0658}" type="datetime1">
+              <a:rPr lang="en-US" smtClean="0"/>
+              <a:t>28-Jun-19</a:t>
+            </a:fld>
+            <a:endParaRPr lang="en-US"/>
+          </a:p>
+        </p:txBody>
+      </p:sp>
     </p:spTree>
     <p:extLst>
       <p:ext uri="{BB962C8B-B14F-4D97-AF65-F5344CB8AC3E}">
@@ -4341,6 +4521,19 @@
 <file path=ppt/slides/slide16.xml><?xml version="1.0" encoding="utf-8"?>
 <p:sld xmlns:a="http://schemas.openxmlformats.org/drawingml/2006/main" xmlns:r="http://schemas.openxmlformats.org/officeDocument/2006/relationships" xmlns:p="http://schemas.openxmlformats.org/presentationml/2006/main">
   <p:cSld>
+    <p:bg>
+      <p:bgPr>
+        <a:pattFill prst="pct5">
+          <a:fgClr>
+            <a:schemeClr val="accent1"/>
+          </a:fgClr>
+          <a:bgClr>
+            <a:schemeClr val="bg1"/>
+          </a:bgClr>
+        </a:pattFill>
+        <a:effectLst/>
+      </p:bgPr>
+    </p:bg>
     <p:spTree>
       <p:nvGrpSpPr>
         <p:cNvPr id="1" name=""/>
@@ -4810,13 +5003,59 @@
         <p:spPr>
           <a:xfrm>
             <a:off x="609600" y="2020822"/>
-            <a:ext cx="7704128" cy="4760978"/>
+            <a:ext cx="7704128" cy="4357118"/>
           </a:xfrm>
           <a:prstGeom prst="rect">
             <a:avLst/>
           </a:prstGeom>
         </p:spPr>
       </p:pic>
+      <p:sp>
+        <p:nvSpPr>
+          <p:cNvPr id="6" name="Slide Number Placeholder 5"/>
+          <p:cNvSpPr>
+            <a:spLocks noGrp="1"/>
+          </p:cNvSpPr>
+          <p:nvPr>
+            <p:ph type="sldNum" sz="quarter" idx="7"/>
+          </p:nvPr>
+        </p:nvSpPr>
+        <p:spPr/>
+        <p:txBody>
+          <a:bodyPr/>
+          <a:lstStyle/>
+          <a:p>
+            <a:fld id="{B6F15528-21DE-4FAA-801E-634DDDAF4B2B}" type="slidenum">
+              <a:rPr lang="en-US" smtClean="0"/>
+              <a:t>16</a:t>
+            </a:fld>
+            <a:endParaRPr lang="en-US"/>
+          </a:p>
+        </p:txBody>
+      </p:sp>
+      <p:sp>
+        <p:nvSpPr>
+          <p:cNvPr id="7" name="Date Placeholder 6"/>
+          <p:cNvSpPr>
+            <a:spLocks noGrp="1"/>
+          </p:cNvSpPr>
+          <p:nvPr>
+            <p:ph type="dt" sz="half" idx="6"/>
+          </p:nvPr>
+        </p:nvSpPr>
+        <p:spPr/>
+        <p:txBody>
+          <a:bodyPr/>
+          <a:lstStyle/>
+          <a:p>
+            <a:fld id="{8F85E503-40BD-4E28-8EF9-462A547C5B31}" type="datetime1">
+              <a:rPr lang="en-US" smtClean="0"/>
+              <a:t>28-Jun-19</a:t>
+            </a:fld>
+            <a:endParaRPr lang="en-US"/>
+          </a:p>
+        </p:txBody>
+      </p:sp>
     </p:spTree>
     <p:extLst>
       <p:ext uri="{BB962C8B-B14F-4D97-AF65-F5344CB8AC3E}">
@@ -4850,6 +5089,659 @@
 </file>
 
 <file path=ppt/slides/slide17.xml><?xml version="1.0" encoding="utf-8"?>
+<p:sld xmlns:a="http://schemas.openxmlformats.org/drawingml/2006/main" xmlns:r="http://schemas.openxmlformats.org/officeDocument/2006/relationships" xmlns:p="http://schemas.openxmlformats.org/presentationml/2006/main" showMasterSp="0">
+  <p:cSld>
+    <p:bg>
+      <p:bgPr>
+        <a:pattFill prst="pct5">
+          <a:fgClr>
+            <a:schemeClr val="accent1"/>
+          </a:fgClr>
+          <a:bgClr>
+            <a:schemeClr val="bg1"/>
+          </a:bgClr>
+        </a:pattFill>
+        <a:effectLst/>
+      </p:bgPr>
+    </p:bg>
+    <p:spTree>
+      <p:nvGrpSpPr>
+        <p:cNvPr id="1" name=""/>
+        <p:cNvGrpSpPr/>
+        <p:nvPr/>
+      </p:nvGrpSpPr>
+      <p:grpSpPr>
+        <a:xfrm>
+          <a:off x="0" y="0"/>
+          <a:ext cx="0" cy="0"/>
+          <a:chOff x="0" y="0"/>
+          <a:chExt cx="0" cy="0"/>
+        </a:xfrm>
+      </p:grpSpPr>
+      <p:pic>
+        <p:nvPicPr>
+          <p:cNvPr id="9" name="Picture 8"/>
+          <p:cNvPicPr>
+            <a:picLocks noChangeAspect="1"/>
+          </p:cNvPicPr>
+          <p:nvPr/>
+        </p:nvPicPr>
+        <p:blipFill>
+          <a:blip r:embed="rId2"/>
+          <a:stretch>
+            <a:fillRect/>
+          </a:stretch>
+        </p:blipFill>
+        <p:spPr>
+          <a:xfrm>
+            <a:off x="0" y="2743200"/>
+            <a:ext cx="5410200" cy="3200401"/>
+          </a:xfrm>
+          <a:prstGeom prst="rect">
+            <a:avLst/>
+          </a:prstGeom>
+        </p:spPr>
+      </p:pic>
+      <p:sp>
+        <p:nvSpPr>
+          <p:cNvPr id="2" name="object 2"/>
+          <p:cNvSpPr txBox="1">
+            <a:spLocks noGrp="1"/>
+          </p:cNvSpPr>
+          <p:nvPr>
+            <p:ph type="title"/>
+          </p:nvPr>
+        </p:nvSpPr>
+        <p:spPr>
+          <a:xfrm>
+            <a:off x="1186372" y="461898"/>
+            <a:ext cx="7119427" cy="690574"/>
+          </a:xfrm>
+          <a:prstGeom prst="rect">
+            <a:avLst/>
+          </a:prstGeom>
+        </p:spPr>
+        <p:txBody>
+          <a:bodyPr vert="horz" wrap="square" lIns="0" tIns="13335" rIns="0" bIns="0" rtlCol="0">
+            <a:spAutoFit/>
+          </a:bodyPr>
+          <a:lstStyle/>
+          <a:p>
+            <a:pPr marL="12700">
+              <a:lnSpc>
+                <a:spcPct val="100000"/>
+              </a:lnSpc>
+              <a:spcBef>
+                <a:spcPts val="105"/>
+              </a:spcBef>
+            </a:pPr>
+            <a:r>
+              <a:rPr lang="en-US" b="1" spc="-155" dirty="0" smtClean="0">
+                <a:solidFill>
+                  <a:srgbClr val="002060"/>
+                </a:solidFill>
+                <a:latin typeface="Rockwell" panose="02060603020205020403" pitchFamily="18" charset="0"/>
+              </a:rPr>
+              <a:t>Use </a:t>
+            </a:r>
+            <a:r>
+              <a:rPr lang="en-US" b="1" spc="-155" dirty="0" err="1" smtClean="0">
+                <a:solidFill>
+                  <a:srgbClr val="002060"/>
+                </a:solidFill>
+                <a:latin typeface="Rockwell" panose="02060603020205020403" pitchFamily="18" charset="0"/>
+              </a:rPr>
+              <a:t>xampp</a:t>
+            </a:r>
+            <a:r>
+              <a:rPr lang="en-US" b="1" spc="-155" dirty="0" smtClean="0">
+                <a:solidFill>
+                  <a:srgbClr val="002060"/>
+                </a:solidFill>
+                <a:latin typeface="Rockwell" panose="02060603020205020403" pitchFamily="18" charset="0"/>
+              </a:rPr>
+              <a:t> as my Database</a:t>
+            </a:r>
+            <a:endParaRPr b="1" spc="-155" dirty="0">
+              <a:solidFill>
+                <a:srgbClr val="002060"/>
+              </a:solidFill>
+              <a:latin typeface="Rockwell" panose="02060603020205020403" pitchFamily="18" charset="0"/>
+            </a:endParaRPr>
+          </a:p>
+        </p:txBody>
+      </p:sp>
+      <p:sp>
+        <p:nvSpPr>
+          <p:cNvPr id="5" name="Slide Number Placeholder 4"/>
+          <p:cNvSpPr>
+            <a:spLocks noGrp="1"/>
+          </p:cNvSpPr>
+          <p:nvPr>
+            <p:ph type="sldNum" sz="quarter" idx="7"/>
+          </p:nvPr>
+        </p:nvSpPr>
+        <p:spPr/>
+        <p:txBody>
+          <a:bodyPr/>
+          <a:lstStyle/>
+          <a:p>
+            <a:fld id="{B6F15528-21DE-4FAA-801E-634DDDAF4B2B}" type="slidenum">
+              <a:rPr lang="en-US" smtClean="0"/>
+              <a:t>17</a:t>
+            </a:fld>
+            <a:endParaRPr lang="en-US"/>
+          </a:p>
+        </p:txBody>
+      </p:sp>
+      <p:sp>
+        <p:nvSpPr>
+          <p:cNvPr id="7" name="Date Placeholder 6"/>
+          <p:cNvSpPr>
+            <a:spLocks noGrp="1"/>
+          </p:cNvSpPr>
+          <p:nvPr>
+            <p:ph type="dt" sz="half" idx="6"/>
+          </p:nvPr>
+        </p:nvSpPr>
+        <p:spPr/>
+        <p:txBody>
+          <a:bodyPr/>
+          <a:lstStyle/>
+          <a:p>
+            <a:fld id="{73D5B074-E71F-43F9-B42F-EDF69C71F416}" type="datetime1">
+              <a:rPr lang="en-US" smtClean="0"/>
+              <a:t>28-Jun-19</a:t>
+            </a:fld>
+            <a:endParaRPr lang="en-US" dirty="0"/>
+          </a:p>
+        </p:txBody>
+      </p:sp>
+      <p:pic>
+        <p:nvPicPr>
+          <p:cNvPr id="4" name="Picture 3"/>
+          <p:cNvPicPr>
+            <a:picLocks noChangeAspect="1"/>
+          </p:cNvPicPr>
+          <p:nvPr/>
+        </p:nvPicPr>
+        <p:blipFill>
+          <a:blip r:embed="rId3"/>
+          <a:stretch>
+            <a:fillRect/>
+          </a:stretch>
+        </p:blipFill>
+        <p:spPr>
+          <a:xfrm>
+            <a:off x="4611487" y="2743200"/>
+            <a:ext cx="4511849" cy="2958886"/>
+          </a:xfrm>
+          <a:prstGeom prst="rect">
+            <a:avLst/>
+          </a:prstGeom>
+        </p:spPr>
+      </p:pic>
+    </p:spTree>
+    <p:extLst>
+      <p:ext uri="{BB962C8B-B14F-4D97-AF65-F5344CB8AC3E}">
+        <p14:creationId xmlns:p14="http://schemas.microsoft.com/office/powerpoint/2010/main" val="4293502725"/>
+      </p:ext>
+    </p:extLst>
+  </p:cSld>
+  <p:clrMapOvr>
+    <a:masterClrMapping/>
+  </p:clrMapOvr>
+  <mc:AlternateContent xmlns:mc="http://schemas.openxmlformats.org/markup-compatibility/2006" xmlns:p14="http://schemas.microsoft.com/office/powerpoint/2010/main">
+    <mc:Choice Requires="p14">
+      <p:transition spd="slow" p14:dur="800">
+        <p:circle/>
+      </p:transition>
+    </mc:Choice>
+    <mc:Fallback xmlns="">
+      <p:transition spd="slow">
+        <p:circle/>
+      </p:transition>
+    </mc:Fallback>
+  </mc:AlternateContent>
+  <p:timing>
+    <p:tnLst>
+      <p:par>
+        <p:cTn id="1" dur="indefinite" restart="never" nodeType="tmRoot"/>
+      </p:par>
+    </p:tnLst>
+  </p:timing>
+</p:sld>
+</file>
+
+<file path=ppt/slides/slide18.xml><?xml version="1.0" encoding="utf-8"?>
+<p:sld xmlns:a="http://schemas.openxmlformats.org/drawingml/2006/main" xmlns:r="http://schemas.openxmlformats.org/officeDocument/2006/relationships" xmlns:p="http://schemas.openxmlformats.org/presentationml/2006/main" showMasterSp="0">
+  <p:cSld>
+    <p:bg>
+      <p:bgPr>
+        <a:pattFill prst="pct5">
+          <a:fgClr>
+            <a:schemeClr val="accent1"/>
+          </a:fgClr>
+          <a:bgClr>
+            <a:schemeClr val="bg1"/>
+          </a:bgClr>
+        </a:pattFill>
+        <a:effectLst/>
+      </p:bgPr>
+    </p:bg>
+    <p:spTree>
+      <p:nvGrpSpPr>
+        <p:cNvPr id="1" name=""/>
+        <p:cNvGrpSpPr/>
+        <p:nvPr/>
+      </p:nvGrpSpPr>
+      <p:grpSpPr>
+        <a:xfrm>
+          <a:off x="0" y="0"/>
+          <a:ext cx="0" cy="0"/>
+          <a:chOff x="0" y="0"/>
+          <a:chExt cx="0" cy="0"/>
+        </a:xfrm>
+      </p:grpSpPr>
+      <p:sp>
+        <p:nvSpPr>
+          <p:cNvPr id="2" name="object 2"/>
+          <p:cNvSpPr txBox="1">
+            <a:spLocks noGrp="1"/>
+          </p:cNvSpPr>
+          <p:nvPr>
+            <p:ph type="title"/>
+          </p:nvPr>
+        </p:nvSpPr>
+        <p:spPr>
+          <a:xfrm>
+            <a:off x="2514600" y="284800"/>
+            <a:ext cx="4800600" cy="690574"/>
+          </a:xfrm>
+          <a:prstGeom prst="rect">
+            <a:avLst/>
+          </a:prstGeom>
+        </p:spPr>
+        <p:style>
+          <a:lnRef idx="0">
+            <a:schemeClr val="accent1"/>
+          </a:lnRef>
+          <a:fillRef idx="3">
+            <a:schemeClr val="accent1"/>
+          </a:fillRef>
+          <a:effectRef idx="3">
+            <a:schemeClr val="accent1"/>
+          </a:effectRef>
+          <a:fontRef idx="minor">
+            <a:schemeClr val="lt1"/>
+          </a:fontRef>
+        </p:style>
+        <p:txBody>
+          <a:bodyPr vert="horz" wrap="square" lIns="0" tIns="13335" rIns="0" bIns="0" rtlCol="0">
+            <a:spAutoFit/>
+          </a:bodyPr>
+          <a:lstStyle/>
+          <a:p>
+            <a:pPr marL="12700">
+              <a:lnSpc>
+                <a:spcPct val="100000"/>
+              </a:lnSpc>
+              <a:spcBef>
+                <a:spcPts val="105"/>
+              </a:spcBef>
+            </a:pPr>
+            <a:r>
+              <a:rPr lang="en-US" b="1" i="1" spc="-165" dirty="0" smtClean="0">
+                <a:solidFill>
+                  <a:schemeClr val="accent6"/>
+                </a:solidFill>
+              </a:rPr>
+              <a:t>Summary of </a:t>
+            </a:r>
+            <a:r>
+              <a:rPr lang="en-US" b="1" i="1" spc="-165" dirty="0" err="1" smtClean="0">
+                <a:solidFill>
+                  <a:schemeClr val="accent6"/>
+                </a:solidFill>
+              </a:rPr>
+              <a:t>Sgipc</a:t>
+            </a:r>
+            <a:endParaRPr b="1" i="1" spc="-114" dirty="0">
+              <a:solidFill>
+                <a:schemeClr val="accent6"/>
+              </a:solidFill>
+            </a:endParaRPr>
+          </a:p>
+        </p:txBody>
+      </p:sp>
+      <p:sp>
+        <p:nvSpPr>
+          <p:cNvPr id="3" name="object 3"/>
+          <p:cNvSpPr txBox="1"/>
+          <p:nvPr/>
+        </p:nvSpPr>
+        <p:spPr>
+          <a:xfrm>
+            <a:off x="1066800" y="1447799"/>
+            <a:ext cx="7390130" cy="4903522"/>
+          </a:xfrm>
+          <a:prstGeom prst="rect">
+            <a:avLst/>
+          </a:prstGeom>
+        </p:spPr>
+        <p:style>
+          <a:lnRef idx="0">
+            <a:schemeClr val="accent3"/>
+          </a:lnRef>
+          <a:fillRef idx="3">
+            <a:schemeClr val="accent3"/>
+          </a:fillRef>
+          <a:effectRef idx="3">
+            <a:schemeClr val="accent3"/>
+          </a:effectRef>
+          <a:fontRef idx="minor">
+            <a:schemeClr val="lt1"/>
+          </a:fontRef>
+        </p:style>
+        <p:txBody>
+          <a:bodyPr vert="horz" wrap="square" lIns="0" tIns="100965" rIns="0" bIns="0" rtlCol="0">
+            <a:spAutoFit/>
+          </a:bodyPr>
+          <a:lstStyle/>
+          <a:p>
+            <a:pPr marL="12700" marR="360680">
+              <a:lnSpc>
+                <a:spcPts val="2880"/>
+              </a:lnSpc>
+              <a:spcBef>
+                <a:spcPts val="795"/>
+              </a:spcBef>
+              <a:tabLst>
+                <a:tab pos="354965" algn="l"/>
+                <a:tab pos="355600" algn="l"/>
+              </a:tabLst>
+            </a:pPr>
+            <a:r>
+              <a:rPr lang="en-US" sz="2000" b="1" dirty="0" smtClean="0">
+                <a:solidFill>
+                  <a:srgbClr val="002060"/>
+                </a:solidFill>
+                <a:latin typeface="Sitka Small" panose="02000505000000020004" pitchFamily="2" charset="0"/>
+              </a:rPr>
+              <a:t>1. Streak </a:t>
+            </a:r>
+            <a:r>
+              <a:rPr lang="en-US" sz="2000" b="1" dirty="0" err="1" smtClean="0">
+                <a:solidFill>
+                  <a:srgbClr val="002060"/>
+                </a:solidFill>
+                <a:latin typeface="Sitka Small" panose="02000505000000020004" pitchFamily="2" charset="0"/>
+              </a:rPr>
+              <a:t>notifier</a:t>
+            </a:r>
+            <a:r>
+              <a:rPr lang="en-US" sz="2000" b="1" dirty="0" smtClean="0">
+                <a:solidFill>
+                  <a:srgbClr val="002060"/>
+                </a:solidFill>
+                <a:latin typeface="Sitka Small" panose="02000505000000020004" pitchFamily="2" charset="0"/>
+              </a:rPr>
+              <a:t> of your friends. </a:t>
+            </a:r>
+            <a:br>
+              <a:rPr lang="en-US" sz="2000" b="1" dirty="0" smtClean="0">
+                <a:solidFill>
+                  <a:srgbClr val="002060"/>
+                </a:solidFill>
+                <a:latin typeface="Sitka Small" panose="02000505000000020004" pitchFamily="2" charset="0"/>
+              </a:rPr>
+            </a:br>
+            <a:r>
+              <a:rPr lang="en-US" sz="2000" b="1" dirty="0" smtClean="0">
+                <a:solidFill>
+                  <a:srgbClr val="002060"/>
+                </a:solidFill>
+                <a:latin typeface="Sitka Small" panose="02000505000000020004" pitchFamily="2" charset="0"/>
+              </a:rPr>
+              <a:t>2. Feel like solving algorithmic problems — Why go to </a:t>
+            </a:r>
+            <a:r>
+              <a:rPr lang="en-US" sz="2000" b="1" dirty="0" err="1" smtClean="0">
+                <a:solidFill>
+                  <a:srgbClr val="002060"/>
+                </a:solidFill>
+                <a:latin typeface="Sitka Small" panose="02000505000000020004" pitchFamily="2" charset="0"/>
+              </a:rPr>
+              <a:t>Codeforces</a:t>
+            </a:r>
+            <a:r>
+              <a:rPr lang="en-US" sz="2000" b="1" dirty="0" smtClean="0">
+                <a:solidFill>
+                  <a:srgbClr val="002060"/>
+                </a:solidFill>
+                <a:latin typeface="Sitka Small" panose="02000505000000020004" pitchFamily="2" charset="0"/>
+              </a:rPr>
+              <a:t> and search for a problem? Solve problems from across all the platforms. </a:t>
+            </a:r>
+            <a:br>
+              <a:rPr lang="en-US" sz="2000" b="1" dirty="0" smtClean="0">
+                <a:solidFill>
+                  <a:srgbClr val="002060"/>
+                </a:solidFill>
+                <a:latin typeface="Sitka Small" panose="02000505000000020004" pitchFamily="2" charset="0"/>
+              </a:rPr>
+            </a:br>
+            <a:r>
+              <a:rPr lang="en-US" sz="2000" b="1" dirty="0" smtClean="0">
+                <a:solidFill>
+                  <a:srgbClr val="002060"/>
+                </a:solidFill>
+                <a:latin typeface="Sitka Small" panose="02000505000000020004" pitchFamily="2" charset="0"/>
+              </a:rPr>
+              <a:t>3. Want to solve problems that other coders are solving recently - We got a list of trending problems both globally and also amongst your friends. </a:t>
+            </a:r>
+            <a:br>
+              <a:rPr lang="en-US" sz="2000" b="1" dirty="0" smtClean="0">
+                <a:solidFill>
+                  <a:srgbClr val="002060"/>
+                </a:solidFill>
+                <a:latin typeface="Sitka Small" panose="02000505000000020004" pitchFamily="2" charset="0"/>
+              </a:rPr>
+            </a:br>
+            <a:r>
+              <a:rPr lang="en-US" sz="2000" b="1" dirty="0" smtClean="0">
+                <a:solidFill>
+                  <a:srgbClr val="002060"/>
+                </a:solidFill>
+                <a:latin typeface="Sitka Small" panose="02000505000000020004" pitchFamily="2" charset="0"/>
+              </a:rPr>
+              <a:t>4. A global leaderboard along with a unique rating which includes submissions from all the websites. </a:t>
+            </a:r>
+            <a:br>
+              <a:rPr lang="en-US" sz="2000" b="1" dirty="0" smtClean="0">
+                <a:solidFill>
+                  <a:srgbClr val="002060"/>
+                </a:solidFill>
+                <a:latin typeface="Sitka Small" panose="02000505000000020004" pitchFamily="2" charset="0"/>
+              </a:rPr>
+            </a:br>
+            <a:r>
+              <a:rPr lang="en-US" sz="2000" b="1" dirty="0" smtClean="0">
+                <a:solidFill>
+                  <a:srgbClr val="002060"/>
+                </a:solidFill>
+                <a:latin typeface="Sitka Small" panose="02000505000000020004" pitchFamily="2" charset="0"/>
+              </a:rPr>
+              <a:t>5.The goal is to keep people motivated in algorithmic programming and solve more and more problems. And yeah we do have a referral program.</a:t>
+            </a:r>
+            <a:endParaRPr sz="2000" b="1" dirty="0">
+              <a:solidFill>
+                <a:srgbClr val="002060"/>
+              </a:solidFill>
+              <a:latin typeface="Sitka Small" panose="02000505000000020004" pitchFamily="2" charset="0"/>
+              <a:cs typeface="Trebuchet MS"/>
+            </a:endParaRPr>
+          </a:p>
+        </p:txBody>
+      </p:sp>
+      <p:sp>
+        <p:nvSpPr>
+          <p:cNvPr id="7" name="Slide Number Placeholder 6"/>
+          <p:cNvSpPr>
+            <a:spLocks noGrp="1"/>
+          </p:cNvSpPr>
+          <p:nvPr>
+            <p:ph type="sldNum" sz="quarter" idx="7"/>
+          </p:nvPr>
+        </p:nvSpPr>
+        <p:spPr/>
+        <p:txBody>
+          <a:bodyPr/>
+          <a:lstStyle/>
+          <a:p>
+            <a:fld id="{B6F15528-21DE-4FAA-801E-634DDDAF4B2B}" type="slidenum">
+              <a:rPr lang="en-US" smtClean="0"/>
+              <a:t>18</a:t>
+            </a:fld>
+            <a:endParaRPr lang="en-US"/>
+          </a:p>
+        </p:txBody>
+      </p:sp>
+      <p:sp>
+        <p:nvSpPr>
+          <p:cNvPr id="8" name="Date Placeholder 7"/>
+          <p:cNvSpPr>
+            <a:spLocks noGrp="1"/>
+          </p:cNvSpPr>
+          <p:nvPr>
+            <p:ph type="dt" sz="half" idx="6"/>
+          </p:nvPr>
+        </p:nvSpPr>
+        <p:spPr/>
+        <p:txBody>
+          <a:bodyPr/>
+          <a:lstStyle/>
+          <a:p>
+            <a:fld id="{86D98C08-CE5F-450C-AB8A-B3EA0A82FC1C}" type="datetime1">
+              <a:rPr lang="en-US" smtClean="0"/>
+              <a:t>28-Jun-19</a:t>
+            </a:fld>
+            <a:endParaRPr lang="en-US"/>
+          </a:p>
+        </p:txBody>
+      </p:sp>
+    </p:spTree>
+    <p:extLst>
+      <p:ext uri="{BB962C8B-B14F-4D97-AF65-F5344CB8AC3E}">
+        <p14:creationId xmlns:p14="http://schemas.microsoft.com/office/powerpoint/2010/main" val="4038837164"/>
+      </p:ext>
+    </p:extLst>
+  </p:cSld>
+  <p:clrMapOvr>
+    <a:masterClrMapping/>
+  </p:clrMapOvr>
+  <mc:AlternateContent xmlns:mc="http://schemas.openxmlformats.org/markup-compatibility/2006" xmlns:p14="http://schemas.microsoft.com/office/powerpoint/2010/main">
+    <mc:Choice Requires="p14">
+      <p:transition spd="slow" p14:dur="800">
+        <p:circle/>
+      </p:transition>
+    </mc:Choice>
+    <mc:Fallback xmlns="">
+      <p:transition spd="slow">
+        <p:circle/>
+      </p:transition>
+    </mc:Fallback>
+  </mc:AlternateContent>
+  <p:timing>
+    <p:tnLst>
+      <p:par>
+        <p:cTn id="1" dur="indefinite" restart="never" nodeType="tmRoot">
+          <p:childTnLst>
+            <p:seq concurrent="1" nextAc="seek">
+              <p:cTn id="2" dur="indefinite" nodeType="mainSeq">
+                <p:childTnLst>
+                  <p:par>
+                    <p:cTn id="3" fill="hold">
+                      <p:stCondLst>
+                        <p:cond delay="indefinite"/>
+                      </p:stCondLst>
+                      <p:childTnLst>
+                        <p:par>
+                          <p:cTn id="4" fill="hold">
+                            <p:stCondLst>
+                              <p:cond delay="0"/>
+                            </p:stCondLst>
+                            <p:childTnLst>
+                              <p:par>
+                                <p:cTn id="5" presetID="16" presetClass="entr" presetSubtype="21" fill="hold" grpId="0" nodeType="clickEffect">
+                                  <p:stCondLst>
+                                    <p:cond delay="0"/>
+                                  </p:stCondLst>
+                                  <p:childTnLst>
+                                    <p:set>
+                                      <p:cBhvr>
+                                        <p:cTn id="6" dur="1" fill="hold">
+                                          <p:stCondLst>
+                                            <p:cond delay="0"/>
+                                          </p:stCondLst>
+                                        </p:cTn>
+                                        <p:tgtEl>
+                                          <p:spTgt spid="3"/>
+                                        </p:tgtEl>
+                                        <p:attrNameLst>
+                                          <p:attrName>style.visibility</p:attrName>
+                                        </p:attrNameLst>
+                                      </p:cBhvr>
+                                      <p:to>
+                                        <p:strVal val="visible"/>
+                                      </p:to>
+                                    </p:set>
+                                    <p:animEffect transition="in" filter="barn(inVertical)">
+                                      <p:cBhvr>
+                                        <p:cTn id="7" dur="500"/>
+                                        <p:tgtEl>
+                                          <p:spTgt spid="3"/>
+                                        </p:tgtEl>
+                                      </p:cBhvr>
+                                    </p:animEffect>
+                                  </p:childTnLst>
+                                </p:cTn>
+                              </p:par>
+                            </p:childTnLst>
+                          </p:cTn>
+                        </p:par>
+                      </p:childTnLst>
+                    </p:cTn>
+                  </p:par>
+                </p:childTnLst>
+              </p:cTn>
+              <p:prevCondLst>
+                <p:cond evt="onPrev" delay="0">
+                  <p:tgtEl>
+                    <p:sldTgt/>
+                  </p:tgtEl>
+                </p:cond>
+              </p:prevCondLst>
+              <p:nextCondLst>
+                <p:cond evt="onNext" delay="0">
+                  <p:tgtEl>
+                    <p:sldTgt/>
+                  </p:tgtEl>
+                </p:cond>
+              </p:nextCondLst>
+            </p:seq>
+          </p:childTnLst>
+        </p:cTn>
+      </p:par>
+    </p:tnLst>
+    <p:bldLst>
+      <p:bldP spid="3" grpId="0" animBg="1"/>
+    </p:bldLst>
+  </p:timing>
+</p:sld>
+</file>
+
+<file path=ppt/slides/slide19.xml><?xml version="1.0" encoding="utf-8"?>
 <p:sld xmlns:a="http://schemas.openxmlformats.org/drawingml/2006/main" xmlns:r="http://schemas.openxmlformats.org/officeDocument/2006/relationships" xmlns:p="http://schemas.openxmlformats.org/presentationml/2006/main" showMasterSp="0">
   <p:cSld>
     <p:bg>
@@ -5047,43 +5939,7 @@
                 </a:solidFill>
                 <a:latin typeface="Perpetua" panose="02020502060401020303" pitchFamily="18" charset="0"/>
               </a:rPr>
-              <a:t> as Database, Basic </a:t>
-            </a:r>
-            <a:r>
-              <a:rPr lang="en-US" sz="4800" b="1" i="1" dirty="0" smtClean="0">
-                <a:solidFill>
-                  <a:schemeClr val="tx1">
-                    <a:lumMod val="95000"/>
-                    <a:lumOff val="5000"/>
-                  </a:schemeClr>
-                </a:solidFill>
-                <a:latin typeface="Perpetua" panose="02020502060401020303" pitchFamily="18" charset="0"/>
-              </a:rPr>
-              <a:t>use of Graphics </a:t>
-            </a:r>
-            <a:r>
-              <a:rPr lang="en-US" sz="4800" b="1" i="1" dirty="0" smtClean="0">
-                <a:solidFill>
-                  <a:schemeClr val="tx1">
-                    <a:lumMod val="95000"/>
-                    <a:lumOff val="5000"/>
-                  </a:schemeClr>
-                </a:solidFill>
-                <a:latin typeface="Perpetua" panose="02020502060401020303" pitchFamily="18" charset="0"/>
-              </a:rPr>
-              <a:t>and </a:t>
-            </a:r>
-            <a:r>
-              <a:rPr lang="en-US" sz="4800" b="1" i="1" dirty="0" smtClean="0">
-                <a:solidFill>
-                  <a:schemeClr val="tx1">
-                    <a:lumMod val="95000"/>
-                    <a:lumOff val="5000"/>
-                  </a:schemeClr>
-                </a:solidFill>
-                <a:latin typeface="Perpetua" panose="02020502060401020303" pitchFamily="18" charset="0"/>
-              </a:rPr>
-              <a:t>Many more.</a:t>
+              <a:t> as Database, Basic use of Graphics and Many more.</a:t>
             </a:r>
             <a:endParaRPr sz="4800" b="1" i="1" spc="-125" dirty="0">
               <a:solidFill>
@@ -5094,6 +5950,52 @@
               </a:solidFill>
               <a:latin typeface="Perpetua" panose="02020502060401020303" pitchFamily="18" charset="0"/>
             </a:endParaRPr>
+          </a:p>
+        </p:txBody>
+      </p:sp>
+      <p:sp>
+        <p:nvSpPr>
+          <p:cNvPr id="6" name="Slide Number Placeholder 5"/>
+          <p:cNvSpPr>
+            <a:spLocks noGrp="1"/>
+          </p:cNvSpPr>
+          <p:nvPr>
+            <p:ph type="sldNum" sz="quarter" idx="7"/>
+          </p:nvPr>
+        </p:nvSpPr>
+        <p:spPr/>
+        <p:txBody>
+          <a:bodyPr/>
+          <a:lstStyle/>
+          <a:p>
+            <a:fld id="{B6F15528-21DE-4FAA-801E-634DDDAF4B2B}" type="slidenum">
+              <a:rPr lang="en-US" smtClean="0"/>
+              <a:t>19</a:t>
+            </a:fld>
+            <a:endParaRPr lang="en-US"/>
+          </a:p>
+        </p:txBody>
+      </p:sp>
+      <p:sp>
+        <p:nvSpPr>
+          <p:cNvPr id="7" name="Date Placeholder 6"/>
+          <p:cNvSpPr>
+            <a:spLocks noGrp="1"/>
+          </p:cNvSpPr>
+          <p:nvPr>
+            <p:ph type="dt" sz="half" idx="6"/>
+          </p:nvPr>
+        </p:nvSpPr>
+        <p:spPr/>
+        <p:txBody>
+          <a:bodyPr/>
+          <a:lstStyle/>
+          <a:p>
+            <a:fld id="{F522852E-8A32-4068-8A4A-E3FF0C117D6F}" type="datetime1">
+              <a:rPr lang="en-US" smtClean="0"/>
+              <a:t>28-Jun-19</a:t>
+            </a:fld>
+            <a:endParaRPr lang="en-US"/>
           </a:p>
         </p:txBody>
       </p:sp>
@@ -5268,7 +6170,371 @@
 </p:sld>
 </file>
 
-<file path=ppt/slides/slide18.xml><?xml version="1.0" encoding="utf-8"?>
+<file path=ppt/slides/slide2.xml><?xml version="1.0" encoding="utf-8"?>
+<p:sld xmlns:a="http://schemas.openxmlformats.org/drawingml/2006/main" xmlns:r="http://schemas.openxmlformats.org/officeDocument/2006/relationships" xmlns:p="http://schemas.openxmlformats.org/presentationml/2006/main" showMasterSp="0">
+  <p:cSld>
+    <p:bg>
+      <p:bgPr>
+        <a:pattFill prst="pct5">
+          <a:fgClr>
+            <a:schemeClr val="accent1"/>
+          </a:fgClr>
+          <a:bgClr>
+            <a:schemeClr val="bg1"/>
+          </a:bgClr>
+        </a:pattFill>
+        <a:effectLst/>
+      </p:bgPr>
+    </p:bg>
+    <p:spTree>
+      <p:nvGrpSpPr>
+        <p:cNvPr id="1" name=""/>
+        <p:cNvGrpSpPr/>
+        <p:nvPr/>
+      </p:nvGrpSpPr>
+      <p:grpSpPr>
+        <a:xfrm>
+          <a:off x="0" y="0"/>
+          <a:ext cx="0" cy="0"/>
+          <a:chOff x="0" y="0"/>
+          <a:chExt cx="0" cy="0"/>
+        </a:xfrm>
+      </p:grpSpPr>
+      <p:sp>
+        <p:nvSpPr>
+          <p:cNvPr id="2" name="object 2"/>
+          <p:cNvSpPr txBox="1">
+            <a:spLocks noGrp="1"/>
+          </p:cNvSpPr>
+          <p:nvPr>
+            <p:ph type="title"/>
+          </p:nvPr>
+        </p:nvSpPr>
+        <p:spPr>
+          <a:xfrm>
+            <a:off x="2514600" y="284800"/>
+            <a:ext cx="4800600" cy="690574"/>
+          </a:xfrm>
+          <a:prstGeom prst="rect">
+            <a:avLst/>
+          </a:prstGeom>
+        </p:spPr>
+        <p:style>
+          <a:lnRef idx="0">
+            <a:schemeClr val="accent1"/>
+          </a:lnRef>
+          <a:fillRef idx="3">
+            <a:schemeClr val="accent1"/>
+          </a:fillRef>
+          <a:effectRef idx="3">
+            <a:schemeClr val="accent1"/>
+          </a:effectRef>
+          <a:fontRef idx="minor">
+            <a:schemeClr val="lt1"/>
+          </a:fontRef>
+        </p:style>
+        <p:txBody>
+          <a:bodyPr vert="horz" wrap="square" lIns="0" tIns="13335" rIns="0" bIns="0" rtlCol="0">
+            <a:spAutoFit/>
+          </a:bodyPr>
+          <a:lstStyle/>
+          <a:p>
+            <a:pPr marL="12700">
+              <a:lnSpc>
+                <a:spcPct val="100000"/>
+              </a:lnSpc>
+              <a:spcBef>
+                <a:spcPts val="105"/>
+              </a:spcBef>
+            </a:pPr>
+            <a:r>
+              <a:rPr lang="en-US" b="1" i="1" spc="-165" dirty="0" smtClean="0">
+                <a:solidFill>
+                  <a:schemeClr val="accent6"/>
+                </a:solidFill>
+              </a:rPr>
+              <a:t>Story Behind </a:t>
+            </a:r>
+            <a:r>
+              <a:rPr lang="en-US" b="1" i="1" spc="-165" dirty="0" err="1" smtClean="0">
+                <a:solidFill>
+                  <a:schemeClr val="accent6"/>
+                </a:solidFill>
+              </a:rPr>
+              <a:t>Sgipc</a:t>
+            </a:r>
+            <a:endParaRPr b="1" i="1" spc="-114" dirty="0">
+              <a:solidFill>
+                <a:schemeClr val="accent6"/>
+              </a:solidFill>
+            </a:endParaRPr>
+          </a:p>
+        </p:txBody>
+      </p:sp>
+      <p:sp>
+        <p:nvSpPr>
+          <p:cNvPr id="3" name="object 3"/>
+          <p:cNvSpPr txBox="1"/>
+          <p:nvPr/>
+        </p:nvSpPr>
+        <p:spPr>
+          <a:xfrm>
+            <a:off x="1066800" y="1447799"/>
+            <a:ext cx="7390130" cy="4525598"/>
+          </a:xfrm>
+          <a:prstGeom prst="rect">
+            <a:avLst/>
+          </a:prstGeom>
+        </p:spPr>
+        <p:style>
+          <a:lnRef idx="0">
+            <a:schemeClr val="accent3"/>
+          </a:lnRef>
+          <a:fillRef idx="3">
+            <a:schemeClr val="accent3"/>
+          </a:fillRef>
+          <a:effectRef idx="3">
+            <a:schemeClr val="accent3"/>
+          </a:effectRef>
+          <a:fontRef idx="minor">
+            <a:schemeClr val="lt1"/>
+          </a:fontRef>
+        </p:style>
+        <p:txBody>
+          <a:bodyPr vert="horz" wrap="square" lIns="0" tIns="100965" rIns="0" bIns="0" rtlCol="0">
+            <a:spAutoFit/>
+          </a:bodyPr>
+          <a:lstStyle/>
+          <a:p>
+            <a:pPr marL="12700" marR="360680">
+              <a:lnSpc>
+                <a:spcPts val="2880"/>
+              </a:lnSpc>
+              <a:spcBef>
+                <a:spcPts val="795"/>
+              </a:spcBef>
+              <a:tabLst>
+                <a:tab pos="354965" algn="l"/>
+                <a:tab pos="355600" algn="l"/>
+              </a:tabLst>
+            </a:pPr>
+            <a:r>
+              <a:rPr lang="en-US" b="1" dirty="0">
+                <a:solidFill>
+                  <a:srgbClr val="002060"/>
+                </a:solidFill>
+                <a:latin typeface="Sitka Small" panose="02000505000000020004" pitchFamily="2" charset="0"/>
+              </a:rPr>
+              <a:t>Welcome, to the programming group of Khulna University of Engineering &amp; Technology. It is a group which is specially created for programmer students who are interested in programming specially ACM solve,    NCPC programming contest, University programming contest and etc. SGIPC means Special Group of Interest in Programming Contest. It is mainly a group of programmers who are developing their programming skills by learning, solving, practicing &amp; teaching others different types of problems. </a:t>
+            </a:r>
+            <a:r>
+              <a:rPr lang="en-US" b="1" dirty="0" smtClean="0">
+                <a:solidFill>
+                  <a:srgbClr val="002060"/>
+                </a:solidFill>
+                <a:latin typeface="Sitka Small" panose="02000505000000020004" pitchFamily="2" charset="0"/>
+              </a:rPr>
+              <a:t>If </a:t>
+            </a:r>
+            <a:r>
+              <a:rPr lang="en-US" b="1" dirty="0">
+                <a:solidFill>
+                  <a:srgbClr val="002060"/>
+                </a:solidFill>
+                <a:latin typeface="Sitka Small" panose="02000505000000020004" pitchFamily="2" charset="0"/>
+              </a:rPr>
+              <a:t>you have any interest on programming </a:t>
+            </a:r>
+            <a:r>
+              <a:rPr lang="en-US" b="1" dirty="0" smtClean="0">
+                <a:solidFill>
+                  <a:srgbClr val="002060"/>
+                </a:solidFill>
+                <a:latin typeface="Sitka Small" panose="02000505000000020004" pitchFamily="2" charset="0"/>
+              </a:rPr>
+              <a:t>you </a:t>
+            </a:r>
+            <a:r>
+              <a:rPr lang="en-US" b="1" dirty="0">
+                <a:solidFill>
+                  <a:srgbClr val="002060"/>
+                </a:solidFill>
+                <a:latin typeface="Sitka Small" panose="02000505000000020004" pitchFamily="2" charset="0"/>
+              </a:rPr>
+              <a:t>are mostly invited to our programming </a:t>
+            </a:r>
+            <a:r>
+              <a:rPr lang="en-US" b="1" dirty="0" smtClean="0">
+                <a:solidFill>
+                  <a:srgbClr val="002060"/>
+                </a:solidFill>
+                <a:latin typeface="Sitka Small" panose="02000505000000020004" pitchFamily="2" charset="0"/>
+              </a:rPr>
+              <a:t>group</a:t>
+            </a:r>
+            <a:endParaRPr sz="2000" b="1" dirty="0">
+              <a:solidFill>
+                <a:srgbClr val="002060"/>
+              </a:solidFill>
+              <a:latin typeface="Sitka Small" panose="02000505000000020004" pitchFamily="2" charset="0"/>
+              <a:cs typeface="Trebuchet MS"/>
+            </a:endParaRPr>
+          </a:p>
+        </p:txBody>
+      </p:sp>
+      <p:sp>
+        <p:nvSpPr>
+          <p:cNvPr id="7" name="Slide Number Placeholder 6"/>
+          <p:cNvSpPr>
+            <a:spLocks noGrp="1"/>
+          </p:cNvSpPr>
+          <p:nvPr>
+            <p:ph type="sldNum" sz="quarter" idx="7"/>
+          </p:nvPr>
+        </p:nvSpPr>
+        <p:spPr/>
+        <p:txBody>
+          <a:bodyPr/>
+          <a:lstStyle/>
+          <a:p>
+            <a:fld id="{B6F15528-21DE-4FAA-801E-634DDDAF4B2B}" type="slidenum">
+              <a:rPr lang="en-US" smtClean="0"/>
+              <a:t>2</a:t>
+            </a:fld>
+            <a:endParaRPr lang="en-US" dirty="0"/>
+          </a:p>
+        </p:txBody>
+      </p:sp>
+      <p:sp>
+        <p:nvSpPr>
+          <p:cNvPr id="8" name="Date Placeholder 7"/>
+          <p:cNvSpPr>
+            <a:spLocks noGrp="1"/>
+          </p:cNvSpPr>
+          <p:nvPr>
+            <p:ph type="dt" sz="half" idx="6"/>
+          </p:nvPr>
+        </p:nvSpPr>
+        <p:spPr/>
+        <p:txBody>
+          <a:bodyPr/>
+          <a:lstStyle/>
+          <a:p>
+            <a:fld id="{86D98C08-CE5F-450C-AB8A-B3EA0A82FC1C}" type="datetime1">
+              <a:rPr lang="en-US" smtClean="0"/>
+              <a:t>28-Jun-19</a:t>
+            </a:fld>
+            <a:endParaRPr lang="en-US"/>
+          </a:p>
+        </p:txBody>
+      </p:sp>
+    </p:spTree>
+  </p:cSld>
+  <p:clrMapOvr>
+    <a:masterClrMapping/>
+  </p:clrMapOvr>
+  <mc:AlternateContent xmlns:mc="http://schemas.openxmlformats.org/markup-compatibility/2006" xmlns:p14="http://schemas.microsoft.com/office/powerpoint/2010/main">
+    <mc:Choice Requires="p14">
+      <p:transition spd="slow" p14:dur="800">
+        <p:circle/>
+      </p:transition>
+    </mc:Choice>
+    <mc:Fallback xmlns="">
+      <p:transition spd="slow">
+        <p:circle/>
+      </p:transition>
+    </mc:Fallback>
+  </mc:AlternateContent>
+  <p:timing>
+    <p:tnLst>
+      <p:par>
+        <p:cTn id="1" dur="indefinite" restart="never" nodeType="tmRoot">
+          <p:childTnLst>
+            <p:seq concurrent="1" nextAc="seek">
+              <p:cTn id="2" dur="indefinite" nodeType="mainSeq">
+                <p:childTnLst>
+                  <p:par>
+                    <p:cTn id="3" fill="hold">
+                      <p:stCondLst>
+                        <p:cond delay="indefinite"/>
+                      </p:stCondLst>
+                      <p:childTnLst>
+                        <p:par>
+                          <p:cTn id="4" fill="hold">
+                            <p:stCondLst>
+                              <p:cond delay="0"/>
+                            </p:stCondLst>
+                            <p:childTnLst>
+                              <p:par>
+                                <p:cTn id="5" presetID="16" presetClass="entr" presetSubtype="21" fill="hold" grpId="0" nodeType="clickEffect">
+                                  <p:stCondLst>
+                                    <p:cond delay="0"/>
+                                  </p:stCondLst>
+                                  <p:childTnLst>
+                                    <p:set>
+                                      <p:cBhvr>
+                                        <p:cTn id="6" dur="1" fill="hold">
+                                          <p:stCondLst>
+                                            <p:cond delay="0"/>
+                                          </p:stCondLst>
+                                        </p:cTn>
+                                        <p:tgtEl>
+                                          <p:spTgt spid="3"/>
+                                        </p:tgtEl>
+                                        <p:attrNameLst>
+                                          <p:attrName>style.visibility</p:attrName>
+                                        </p:attrNameLst>
+                                      </p:cBhvr>
+                                      <p:to>
+                                        <p:strVal val="visible"/>
+                                      </p:to>
+                                    </p:set>
+                                    <p:animEffect transition="in" filter="barn(inVertical)">
+                                      <p:cBhvr>
+                                        <p:cTn id="7" dur="500"/>
+                                        <p:tgtEl>
+                                          <p:spTgt spid="3"/>
+                                        </p:tgtEl>
+                                      </p:cBhvr>
+                                    </p:animEffect>
+                                  </p:childTnLst>
+                                </p:cTn>
+                              </p:par>
+                            </p:childTnLst>
+                          </p:cTn>
+                        </p:par>
+                      </p:childTnLst>
+                    </p:cTn>
+                  </p:par>
+                </p:childTnLst>
+              </p:cTn>
+              <p:prevCondLst>
+                <p:cond evt="onPrev" delay="0">
+                  <p:tgtEl>
+                    <p:sldTgt/>
+                  </p:tgtEl>
+                </p:cond>
+              </p:prevCondLst>
+              <p:nextCondLst>
+                <p:cond evt="onNext" delay="0">
+                  <p:tgtEl>
+                    <p:sldTgt/>
+                  </p:tgtEl>
+                </p:cond>
+              </p:nextCondLst>
+            </p:seq>
+          </p:childTnLst>
+        </p:cTn>
+      </p:par>
+    </p:tnLst>
+    <p:bldLst>
+      <p:bldP spid="3" grpId="0" animBg="1"/>
+    </p:bldLst>
+  </p:timing>
+</p:sld>
+</file>
+
+<file path=ppt/slides/slide20.xml><?xml version="1.0" encoding="utf-8"?>
 <p:sld xmlns:a="http://schemas.openxmlformats.org/drawingml/2006/main" xmlns:r="http://schemas.openxmlformats.org/officeDocument/2006/relationships" xmlns:p="http://schemas.openxmlformats.org/presentationml/2006/main">
   <p:cSld>
     <p:spTree>
@@ -5411,6 +6677,52 @@
           </a:extLst>
         </p:spPr>
       </p:pic>
+      <p:sp>
+        <p:nvSpPr>
+          <p:cNvPr id="5" name="Slide Number Placeholder 4"/>
+          <p:cNvSpPr>
+            <a:spLocks noGrp="1"/>
+          </p:cNvSpPr>
+          <p:nvPr>
+            <p:ph type="sldNum" sz="quarter" idx="7"/>
+          </p:nvPr>
+        </p:nvSpPr>
+        <p:spPr/>
+        <p:txBody>
+          <a:bodyPr/>
+          <a:lstStyle/>
+          <a:p>
+            <a:fld id="{B6F15528-21DE-4FAA-801E-634DDDAF4B2B}" type="slidenum">
+              <a:rPr lang="en-US" smtClean="0"/>
+              <a:t>20</a:t>
+            </a:fld>
+            <a:endParaRPr lang="en-US"/>
+          </a:p>
+        </p:txBody>
+      </p:sp>
+      <p:sp>
+        <p:nvSpPr>
+          <p:cNvPr id="6" name="Date Placeholder 5"/>
+          <p:cNvSpPr>
+            <a:spLocks noGrp="1"/>
+          </p:cNvSpPr>
+          <p:nvPr>
+            <p:ph type="dt" sz="half" idx="6"/>
+          </p:nvPr>
+        </p:nvSpPr>
+        <p:spPr/>
+        <p:txBody>
+          <a:bodyPr/>
+          <a:lstStyle/>
+          <a:p>
+            <a:fld id="{10634938-CA4F-4C46-9EF8-4649D6A124D0}" type="datetime1">
+              <a:rPr lang="en-US" smtClean="0"/>
+              <a:t>28-Jun-19</a:t>
+            </a:fld>
+            <a:endParaRPr lang="en-US"/>
+          </a:p>
+        </p:txBody>
+      </p:sp>
     </p:spTree>
     <p:extLst>
       <p:ext uri="{BB962C8B-B14F-4D97-AF65-F5344CB8AC3E}">
@@ -5519,7 +6831,7 @@
 </p:sld>
 </file>
 
-<file path=ppt/slides/slide19.xml><?xml version="1.0" encoding="utf-8"?>
+<file path=ppt/slides/slide21.xml><?xml version="1.0" encoding="utf-8"?>
 <p:sld xmlns:a="http://schemas.openxmlformats.org/drawingml/2006/main" xmlns:r="http://schemas.openxmlformats.org/officeDocument/2006/relationships" xmlns:p="http://schemas.openxmlformats.org/presentationml/2006/main">
   <p:cSld>
     <p:spTree>
@@ -5618,6 +6930,52 @@
           </a:extLst>
         </p:spPr>
       </p:pic>
+      <p:sp>
+        <p:nvSpPr>
+          <p:cNvPr id="5" name="Slide Number Placeholder 4"/>
+          <p:cNvSpPr>
+            <a:spLocks noGrp="1"/>
+          </p:cNvSpPr>
+          <p:nvPr>
+            <p:ph type="sldNum" sz="quarter" idx="7"/>
+          </p:nvPr>
+        </p:nvSpPr>
+        <p:spPr/>
+        <p:txBody>
+          <a:bodyPr/>
+          <a:lstStyle/>
+          <a:p>
+            <a:fld id="{B6F15528-21DE-4FAA-801E-634DDDAF4B2B}" type="slidenum">
+              <a:rPr lang="en-US" smtClean="0"/>
+              <a:t>21</a:t>
+            </a:fld>
+            <a:endParaRPr lang="en-US"/>
+          </a:p>
+        </p:txBody>
+      </p:sp>
+      <p:sp>
+        <p:nvSpPr>
+          <p:cNvPr id="6" name="Date Placeholder 5"/>
+          <p:cNvSpPr>
+            <a:spLocks noGrp="1"/>
+          </p:cNvSpPr>
+          <p:nvPr>
+            <p:ph type="dt" sz="half" idx="6"/>
+          </p:nvPr>
+        </p:nvSpPr>
+        <p:spPr/>
+        <p:txBody>
+          <a:bodyPr/>
+          <a:lstStyle/>
+          <a:p>
+            <a:fld id="{BAC05551-CAB5-402D-874E-D45E7E3A1C40}" type="datetime1">
+              <a:rPr lang="en-US" smtClean="0"/>
+              <a:t>28-Jun-19</a:t>
+            </a:fld>
+            <a:endParaRPr lang="en-US"/>
+          </a:p>
+        </p:txBody>
+      </p:sp>
     </p:spTree>
     <p:extLst>
       <p:ext uri="{BB962C8B-B14F-4D97-AF65-F5344CB8AC3E}">
@@ -5650,7 +7008,7 @@
 </p:sld>
 </file>
 
-<file path=ppt/slides/slide2.xml><?xml version="1.0" encoding="utf-8"?>
+<file path=ppt/slides/slide3.xml><?xml version="1.0" encoding="utf-8"?>
 <p:sld xmlns:a="http://schemas.openxmlformats.org/drawingml/2006/main" xmlns:r="http://schemas.openxmlformats.org/officeDocument/2006/relationships" xmlns:p="http://schemas.openxmlformats.org/presentationml/2006/main" showMasterSp="0">
   <p:cSld>
     <p:bg>
@@ -5666,414 +7024,6 @@
         <a:effectLst/>
       </p:bgPr>
     </p:bg>
-    <p:spTree>
-      <p:nvGrpSpPr>
-        <p:cNvPr id="1" name=""/>
-        <p:cNvGrpSpPr/>
-        <p:nvPr/>
-      </p:nvGrpSpPr>
-      <p:grpSpPr>
-        <a:xfrm>
-          <a:off x="0" y="0"/>
-          <a:ext cx="0" cy="0"/>
-          <a:chOff x="0" y="0"/>
-          <a:chExt cx="0" cy="0"/>
-        </a:xfrm>
-      </p:grpSpPr>
-      <p:sp>
-        <p:nvSpPr>
-          <p:cNvPr id="2" name="object 2"/>
-          <p:cNvSpPr txBox="1">
-            <a:spLocks noGrp="1"/>
-          </p:cNvSpPr>
-          <p:nvPr>
-            <p:ph type="title"/>
-          </p:nvPr>
-        </p:nvSpPr>
-        <p:spPr>
-          <a:xfrm>
-            <a:off x="2514600" y="284800"/>
-            <a:ext cx="4800600" cy="690574"/>
-          </a:xfrm>
-          <a:prstGeom prst="rect">
-            <a:avLst/>
-          </a:prstGeom>
-        </p:spPr>
-        <p:style>
-          <a:lnRef idx="0">
-            <a:schemeClr val="accent1"/>
-          </a:lnRef>
-          <a:fillRef idx="3">
-            <a:schemeClr val="accent1"/>
-          </a:fillRef>
-          <a:effectRef idx="3">
-            <a:schemeClr val="accent1"/>
-          </a:effectRef>
-          <a:fontRef idx="minor">
-            <a:schemeClr val="lt1"/>
-          </a:fontRef>
-        </p:style>
-        <p:txBody>
-          <a:bodyPr vert="horz" wrap="square" lIns="0" tIns="13335" rIns="0" bIns="0" rtlCol="0">
-            <a:spAutoFit/>
-          </a:bodyPr>
-          <a:lstStyle/>
-          <a:p>
-            <a:pPr marL="12700">
-              <a:lnSpc>
-                <a:spcPct val="100000"/>
-              </a:lnSpc>
-              <a:spcBef>
-                <a:spcPts val="105"/>
-              </a:spcBef>
-            </a:pPr>
-            <a:r>
-              <a:rPr lang="en-US" b="1" i="1" spc="-165" dirty="0" smtClean="0">
-                <a:solidFill>
-                  <a:schemeClr val="accent6"/>
-                </a:solidFill>
-              </a:rPr>
-              <a:t>Story Behind </a:t>
-            </a:r>
-            <a:r>
-              <a:rPr lang="en-US" b="1" i="1" spc="-165" dirty="0" err="1" smtClean="0">
-                <a:solidFill>
-                  <a:schemeClr val="accent6"/>
-                </a:solidFill>
-              </a:rPr>
-              <a:t>Sgipc</a:t>
-            </a:r>
-            <a:endParaRPr b="1" i="1" spc="-114" dirty="0">
-              <a:solidFill>
-                <a:schemeClr val="accent6"/>
-              </a:solidFill>
-            </a:endParaRPr>
-          </a:p>
-        </p:txBody>
-      </p:sp>
-      <p:sp>
-        <p:nvSpPr>
-          <p:cNvPr id="3" name="object 3"/>
-          <p:cNvSpPr txBox="1"/>
-          <p:nvPr/>
-        </p:nvSpPr>
-        <p:spPr>
-          <a:xfrm>
-            <a:off x="1066800" y="1447799"/>
-            <a:ext cx="7390130" cy="4903522"/>
-          </a:xfrm>
-          <a:prstGeom prst="rect">
-            <a:avLst/>
-          </a:prstGeom>
-        </p:spPr>
-        <p:style>
-          <a:lnRef idx="0">
-            <a:schemeClr val="accent3"/>
-          </a:lnRef>
-          <a:fillRef idx="3">
-            <a:schemeClr val="accent3"/>
-          </a:fillRef>
-          <a:effectRef idx="3">
-            <a:schemeClr val="accent3"/>
-          </a:effectRef>
-          <a:fontRef idx="minor">
-            <a:schemeClr val="lt1"/>
-          </a:fontRef>
-        </p:style>
-        <p:txBody>
-          <a:bodyPr vert="horz" wrap="square" lIns="0" tIns="100965" rIns="0" bIns="0" rtlCol="0">
-            <a:spAutoFit/>
-          </a:bodyPr>
-          <a:lstStyle/>
-          <a:p>
-            <a:pPr marL="12700" marR="360680">
-              <a:lnSpc>
-                <a:spcPts val="2880"/>
-              </a:lnSpc>
-              <a:spcBef>
-                <a:spcPts val="795"/>
-              </a:spcBef>
-              <a:tabLst>
-                <a:tab pos="354965" algn="l"/>
-                <a:tab pos="355600" algn="l"/>
-              </a:tabLst>
-            </a:pPr>
-            <a:r>
-              <a:rPr lang="en-US" sz="2000" b="1" dirty="0" smtClean="0">
-                <a:solidFill>
-                  <a:srgbClr val="002060"/>
-                </a:solidFill>
-                <a:latin typeface="Sitka Small" panose="02000505000000020004" pitchFamily="2" charset="0"/>
-              </a:rPr>
-              <a:t>1. Streak </a:t>
-            </a:r>
-            <a:r>
-              <a:rPr lang="en-US" sz="2000" b="1" dirty="0" err="1" smtClean="0">
-                <a:solidFill>
-                  <a:srgbClr val="002060"/>
-                </a:solidFill>
-                <a:latin typeface="Sitka Small" panose="02000505000000020004" pitchFamily="2" charset="0"/>
-              </a:rPr>
-              <a:t>notifier</a:t>
-            </a:r>
-            <a:r>
-              <a:rPr lang="en-US" sz="2000" b="1" dirty="0" smtClean="0">
-                <a:solidFill>
-                  <a:srgbClr val="002060"/>
-                </a:solidFill>
-                <a:latin typeface="Sitka Small" panose="02000505000000020004" pitchFamily="2" charset="0"/>
-              </a:rPr>
-              <a:t> of your friends. </a:t>
-            </a:r>
-            <a:br>
-              <a:rPr lang="en-US" sz="2000" b="1" dirty="0" smtClean="0">
-                <a:solidFill>
-                  <a:srgbClr val="002060"/>
-                </a:solidFill>
-                <a:latin typeface="Sitka Small" panose="02000505000000020004" pitchFamily="2" charset="0"/>
-              </a:rPr>
-            </a:br>
-            <a:r>
-              <a:rPr lang="en-US" sz="2000" b="1" dirty="0" smtClean="0">
-                <a:solidFill>
-                  <a:srgbClr val="002060"/>
-                </a:solidFill>
-                <a:latin typeface="Sitka Small" panose="02000505000000020004" pitchFamily="2" charset="0"/>
-              </a:rPr>
-              <a:t>2. Feel like solving algorithmic problems — Why go to </a:t>
-            </a:r>
-            <a:r>
-              <a:rPr lang="en-US" sz="2000" b="1" dirty="0" err="1" smtClean="0">
-                <a:solidFill>
-                  <a:srgbClr val="002060"/>
-                </a:solidFill>
-                <a:latin typeface="Sitka Small" panose="02000505000000020004" pitchFamily="2" charset="0"/>
-              </a:rPr>
-              <a:t>Codeforces</a:t>
-            </a:r>
-            <a:r>
-              <a:rPr lang="en-US" sz="2000" b="1" dirty="0" smtClean="0">
-                <a:solidFill>
-                  <a:srgbClr val="002060"/>
-                </a:solidFill>
-                <a:latin typeface="Sitka Small" panose="02000505000000020004" pitchFamily="2" charset="0"/>
-              </a:rPr>
-              <a:t> and search for a problem? Solve problems from across all the platforms. </a:t>
-            </a:r>
-            <a:br>
-              <a:rPr lang="en-US" sz="2000" b="1" dirty="0" smtClean="0">
-                <a:solidFill>
-                  <a:srgbClr val="002060"/>
-                </a:solidFill>
-                <a:latin typeface="Sitka Small" panose="02000505000000020004" pitchFamily="2" charset="0"/>
-              </a:rPr>
-            </a:br>
-            <a:r>
-              <a:rPr lang="en-US" sz="2000" b="1" dirty="0" smtClean="0">
-                <a:solidFill>
-                  <a:srgbClr val="002060"/>
-                </a:solidFill>
-                <a:latin typeface="Sitka Small" panose="02000505000000020004" pitchFamily="2" charset="0"/>
-              </a:rPr>
-              <a:t>3. Want to solve problems that other coders are solving recently - We got a list of trending problems both globally and also amongst your friends. </a:t>
-            </a:r>
-            <a:br>
-              <a:rPr lang="en-US" sz="2000" b="1" dirty="0" smtClean="0">
-                <a:solidFill>
-                  <a:srgbClr val="002060"/>
-                </a:solidFill>
-                <a:latin typeface="Sitka Small" panose="02000505000000020004" pitchFamily="2" charset="0"/>
-              </a:rPr>
-            </a:br>
-            <a:r>
-              <a:rPr lang="en-US" sz="2000" b="1" dirty="0" smtClean="0">
-                <a:solidFill>
-                  <a:srgbClr val="002060"/>
-                </a:solidFill>
-                <a:latin typeface="Sitka Small" panose="02000505000000020004" pitchFamily="2" charset="0"/>
-              </a:rPr>
-              <a:t>4. A global leaderboard along with a unique rating which includes submissions from all the websites. </a:t>
-            </a:r>
-            <a:br>
-              <a:rPr lang="en-US" sz="2000" b="1" dirty="0" smtClean="0">
-                <a:solidFill>
-                  <a:srgbClr val="002060"/>
-                </a:solidFill>
-                <a:latin typeface="Sitka Small" panose="02000505000000020004" pitchFamily="2" charset="0"/>
-              </a:rPr>
-            </a:br>
-            <a:r>
-              <a:rPr lang="en-US" sz="2000" b="1" dirty="0" smtClean="0">
-                <a:solidFill>
-                  <a:srgbClr val="002060"/>
-                </a:solidFill>
-                <a:latin typeface="Sitka Small" panose="02000505000000020004" pitchFamily="2" charset="0"/>
-              </a:rPr>
-              <a:t>5.The goal is to keep people motivated in algorithmic programming and solve more and more problems. And yeah we do have a referral program.</a:t>
-            </a:r>
-            <a:endParaRPr sz="2000" b="1" dirty="0">
-              <a:solidFill>
-                <a:srgbClr val="002060"/>
-              </a:solidFill>
-              <a:latin typeface="Sitka Small" panose="02000505000000020004" pitchFamily="2" charset="0"/>
-              <a:cs typeface="Trebuchet MS"/>
-            </a:endParaRPr>
-          </a:p>
-        </p:txBody>
-      </p:sp>
-      <p:sp>
-        <p:nvSpPr>
-          <p:cNvPr id="4" name="Rectangle 3"/>
-          <p:cNvSpPr/>
-          <p:nvPr/>
-        </p:nvSpPr>
-        <p:spPr>
-          <a:xfrm rot="19537846" flipV="1">
-            <a:off x="-511675" y="532459"/>
-            <a:ext cx="2611494" cy="195259"/>
-          </a:xfrm>
-          <a:prstGeom prst="rect">
-            <a:avLst/>
-          </a:prstGeom>
-          <a:solidFill>
-            <a:srgbClr val="FF0000"/>
-          </a:solidFill>
-          <a:ln>
-            <a:noFill/>
-          </a:ln>
-        </p:spPr>
-        <p:style>
-          <a:lnRef idx="0">
-            <a:scrgbClr r="0" g="0" b="0"/>
-          </a:lnRef>
-          <a:fillRef idx="0">
-            <a:scrgbClr r="0" g="0" b="0"/>
-          </a:fillRef>
-          <a:effectRef idx="0">
-            <a:scrgbClr r="0" g="0" b="0"/>
-          </a:effectRef>
-          <a:fontRef idx="minor">
-            <a:schemeClr val="accent1"/>
-          </a:fontRef>
-        </p:style>
-        <p:txBody>
-          <a:bodyPr rtlCol="0" anchor="ctr"/>
-          <a:lstStyle/>
-          <a:p>
-            <a:pPr algn="ctr"/>
-            <a:endParaRPr lang="en-US"/>
-          </a:p>
-        </p:txBody>
-      </p:sp>
-    </p:spTree>
-  </p:cSld>
-  <p:clrMapOvr>
-    <a:masterClrMapping/>
-  </p:clrMapOvr>
-  <mc:AlternateContent xmlns:mc="http://schemas.openxmlformats.org/markup-compatibility/2006" xmlns:p15="http://schemas.microsoft.com/office/powerpoint/2012/main">
-    <mc:Choice Requires="p15">
-      <p:transition xmlns:p14="http://schemas.microsoft.com/office/powerpoint/2010/main" spd="slow" p14:dur="2000">
-        <p15:prstTrans prst="fallOver"/>
-      </p:transition>
-    </mc:Choice>
-    <mc:Fallback xmlns="">
-      <p:transition spd="slow">
-        <p:fade/>
-      </p:transition>
-    </mc:Fallback>
-  </mc:AlternateContent>
-  <p:timing>
-    <p:tnLst>
-      <p:par>
-        <p:cTn id="1" dur="indefinite" restart="never" nodeType="tmRoot">
-          <p:childTnLst>
-            <p:seq concurrent="1" nextAc="seek">
-              <p:cTn id="2" dur="indefinite" nodeType="mainSeq">
-                <p:childTnLst>
-                  <p:par>
-                    <p:cTn id="3" fill="hold">
-                      <p:stCondLst>
-                        <p:cond delay="indefinite"/>
-                      </p:stCondLst>
-                      <p:childTnLst>
-                        <p:par>
-                          <p:cTn id="4" fill="hold">
-                            <p:stCondLst>
-                              <p:cond delay="0"/>
-                            </p:stCondLst>
-                            <p:childTnLst>
-                              <p:par>
-                                <p:cTn id="5" presetID="16" presetClass="entr" presetSubtype="21" fill="hold" grpId="0" nodeType="clickEffect">
-                                  <p:stCondLst>
-                                    <p:cond delay="0"/>
-                                  </p:stCondLst>
-                                  <p:childTnLst>
-                                    <p:set>
-                                      <p:cBhvr>
-                                        <p:cTn id="6" dur="1" fill="hold">
-                                          <p:stCondLst>
-                                            <p:cond delay="0"/>
-                                          </p:stCondLst>
-                                        </p:cTn>
-                                        <p:tgtEl>
-                                          <p:spTgt spid="3"/>
-                                        </p:tgtEl>
-                                        <p:attrNameLst>
-                                          <p:attrName>style.visibility</p:attrName>
-                                        </p:attrNameLst>
-                                      </p:cBhvr>
-                                      <p:to>
-                                        <p:strVal val="visible"/>
-                                      </p:to>
-                                    </p:set>
-                                    <p:animEffect transition="in" filter="barn(inVertical)">
-                                      <p:cBhvr>
-                                        <p:cTn id="7" dur="500"/>
-                                        <p:tgtEl>
-                                          <p:spTgt spid="3"/>
-                                        </p:tgtEl>
-                                      </p:cBhvr>
-                                    </p:animEffect>
-                                  </p:childTnLst>
-                                </p:cTn>
-                              </p:par>
-                            </p:childTnLst>
-                          </p:cTn>
-                        </p:par>
-                      </p:childTnLst>
-                    </p:cTn>
-                  </p:par>
-                </p:childTnLst>
-              </p:cTn>
-              <p:prevCondLst>
-                <p:cond evt="onPrev" delay="0">
-                  <p:tgtEl>
-                    <p:sldTgt/>
-                  </p:tgtEl>
-                </p:cond>
-              </p:prevCondLst>
-              <p:nextCondLst>
-                <p:cond evt="onNext" delay="0">
-                  <p:tgtEl>
-                    <p:sldTgt/>
-                  </p:tgtEl>
-                </p:cond>
-              </p:nextCondLst>
-            </p:seq>
-          </p:childTnLst>
-        </p:cTn>
-      </p:par>
-    </p:tnLst>
-    <p:bldLst>
-      <p:bldP spid="3" grpId="0" animBg="1"/>
-    </p:bldLst>
-  </p:timing>
-</p:sld>
-</file>
-
-<file path=ppt/slides/slide3.xml><?xml version="1.0" encoding="utf-8"?>
-<p:sld xmlns:a="http://schemas.openxmlformats.org/drawingml/2006/main" xmlns:r="http://schemas.openxmlformats.org/officeDocument/2006/relationships" xmlns:p="http://schemas.openxmlformats.org/presentationml/2006/main" showMasterSp="0">
-  <p:cSld>
     <p:spTree>
       <p:nvGrpSpPr>
         <p:cNvPr id="1" name=""/>
@@ -6172,6 +7122,52 @@
           </a:prstGeom>
         </p:spPr>
       </p:pic>
+      <p:sp>
+        <p:nvSpPr>
+          <p:cNvPr id="5" name="Slide Number Placeholder 4"/>
+          <p:cNvSpPr>
+            <a:spLocks noGrp="1"/>
+          </p:cNvSpPr>
+          <p:nvPr>
+            <p:ph type="sldNum" sz="quarter" idx="7"/>
+          </p:nvPr>
+        </p:nvSpPr>
+        <p:spPr/>
+        <p:txBody>
+          <a:bodyPr/>
+          <a:lstStyle/>
+          <a:p>
+            <a:fld id="{B6F15528-21DE-4FAA-801E-634DDDAF4B2B}" type="slidenum">
+              <a:rPr lang="en-US" smtClean="0"/>
+              <a:t>3</a:t>
+            </a:fld>
+            <a:endParaRPr lang="en-US"/>
+          </a:p>
+        </p:txBody>
+      </p:sp>
+      <p:sp>
+        <p:nvSpPr>
+          <p:cNvPr id="6" name="Date Placeholder 5"/>
+          <p:cNvSpPr>
+            <a:spLocks noGrp="1"/>
+          </p:cNvSpPr>
+          <p:nvPr>
+            <p:ph type="dt" sz="half" idx="6"/>
+          </p:nvPr>
+        </p:nvSpPr>
+        <p:spPr/>
+        <p:txBody>
+          <a:bodyPr/>
+          <a:lstStyle/>
+          <a:p>
+            <a:fld id="{882A9E2B-81DD-464A-91FE-247ED1C3621C}" type="datetime1">
+              <a:rPr lang="en-US" smtClean="0"/>
+              <a:t>28-Jun-19</a:t>
+            </a:fld>
+            <a:endParaRPr lang="en-US"/>
+          </a:p>
+        </p:txBody>
+      </p:sp>
     </p:spTree>
   </p:cSld>
   <p:clrMapOvr>
@@ -6202,6 +7198,19 @@
 <file path=ppt/slides/slide4.xml><?xml version="1.0" encoding="utf-8"?>
 <p:sld xmlns:a="http://schemas.openxmlformats.org/drawingml/2006/main" xmlns:r="http://schemas.openxmlformats.org/officeDocument/2006/relationships" xmlns:p="http://schemas.openxmlformats.org/presentationml/2006/main" showMasterSp="0">
   <p:cSld>
+    <p:bg>
+      <p:bgPr>
+        <a:pattFill prst="pct5">
+          <a:fgClr>
+            <a:schemeClr val="accent1"/>
+          </a:fgClr>
+          <a:bgClr>
+            <a:schemeClr val="bg1"/>
+          </a:bgClr>
+        </a:pattFill>
+        <a:effectLst/>
+      </p:bgPr>
+    </p:bg>
     <p:spTree>
       <p:nvGrpSpPr>
         <p:cNvPr id="1" name=""/>
@@ -6291,6 +7300,52 @@
           </a:prstGeom>
         </p:spPr>
       </p:pic>
+      <p:sp>
+        <p:nvSpPr>
+          <p:cNvPr id="5" name="Slide Number Placeholder 4"/>
+          <p:cNvSpPr>
+            <a:spLocks noGrp="1"/>
+          </p:cNvSpPr>
+          <p:nvPr>
+            <p:ph type="sldNum" sz="quarter" idx="7"/>
+          </p:nvPr>
+        </p:nvSpPr>
+        <p:spPr/>
+        <p:txBody>
+          <a:bodyPr/>
+          <a:lstStyle/>
+          <a:p>
+            <a:fld id="{B6F15528-21DE-4FAA-801E-634DDDAF4B2B}" type="slidenum">
+              <a:rPr lang="en-US" smtClean="0"/>
+              <a:t>4</a:t>
+            </a:fld>
+            <a:endParaRPr lang="en-US"/>
+          </a:p>
+        </p:txBody>
+      </p:sp>
+      <p:sp>
+        <p:nvSpPr>
+          <p:cNvPr id="7" name="Date Placeholder 6"/>
+          <p:cNvSpPr>
+            <a:spLocks noGrp="1"/>
+          </p:cNvSpPr>
+          <p:nvPr>
+            <p:ph type="dt" sz="half" idx="6"/>
+          </p:nvPr>
+        </p:nvSpPr>
+        <p:spPr/>
+        <p:txBody>
+          <a:bodyPr/>
+          <a:lstStyle/>
+          <a:p>
+            <a:fld id="{73D5B074-E71F-43F9-B42F-EDF69C71F416}" type="datetime1">
+              <a:rPr lang="en-US" smtClean="0"/>
+              <a:t>28-Jun-19</a:t>
+            </a:fld>
+            <a:endParaRPr lang="en-US"/>
+          </a:p>
+        </p:txBody>
+      </p:sp>
     </p:spTree>
     <p:extLst>
       <p:ext uri="{BB962C8B-B14F-4D97-AF65-F5344CB8AC3E}">
@@ -6326,6 +7381,19 @@
 <file path=ppt/slides/slide5.xml><?xml version="1.0" encoding="utf-8"?>
 <p:sld xmlns:a="http://schemas.openxmlformats.org/drawingml/2006/main" xmlns:r="http://schemas.openxmlformats.org/officeDocument/2006/relationships" xmlns:p="http://schemas.openxmlformats.org/presentationml/2006/main">
   <p:cSld>
+    <p:bg>
+      <p:bgPr>
+        <a:pattFill prst="pct5">
+          <a:fgClr>
+            <a:schemeClr val="accent1"/>
+          </a:fgClr>
+          <a:bgClr>
+            <a:schemeClr val="bg1"/>
+          </a:bgClr>
+        </a:pattFill>
+        <a:effectLst/>
+      </p:bgPr>
+    </p:bg>
     <p:spTree>
       <p:nvGrpSpPr>
         <p:cNvPr id="1" name=""/>
@@ -6479,56 +7547,6 @@
       </p:sp>
       <p:sp>
         <p:nvSpPr>
-          <p:cNvPr id="24" name="object 10"/>
-          <p:cNvSpPr/>
-          <p:nvPr/>
-        </p:nvSpPr>
-        <p:spPr>
-          <a:xfrm>
-            <a:off x="7011161" y="3544061"/>
-            <a:ext cx="685800" cy="1333500"/>
-          </a:xfrm>
-          <a:custGeom>
-            <a:avLst/>
-            <a:gdLst/>
-            <a:ahLst/>
-            <a:cxnLst/>
-            <a:rect l="l" t="t" r="r" b="b"/>
-            <a:pathLst>
-              <a:path w="685800" h="1333500">
-                <a:moveTo>
-                  <a:pt x="0" y="1333500"/>
-                </a:moveTo>
-                <a:lnTo>
-                  <a:pt x="685800" y="1333500"/>
-                </a:lnTo>
-                <a:lnTo>
-                  <a:pt x="685800" y="0"/>
-                </a:lnTo>
-                <a:lnTo>
-                  <a:pt x="0" y="0"/>
-                </a:lnTo>
-                <a:lnTo>
-                  <a:pt x="0" y="1333500"/>
-                </a:lnTo>
-                <a:close/>
-              </a:path>
-            </a:pathLst>
-          </a:custGeom>
-          <a:solidFill>
-            <a:srgbClr val="FFFFFF"/>
-          </a:solidFill>
-        </p:spPr>
-        <p:txBody>
-          <a:bodyPr wrap="square" lIns="0" tIns="0" rIns="0" bIns="0" rtlCol="0"/>
-          <a:lstStyle/>
-          <a:p>
-            <a:endParaRPr/>
-          </a:p>
-        </p:txBody>
-      </p:sp>
-      <p:sp>
-        <p:nvSpPr>
           <p:cNvPr id="25" name="object 11"/>
           <p:cNvSpPr/>
           <p:nvPr/>
@@ -6714,50 +7732,6 @@
           </a:effectRef>
           <a:fontRef idx="minor">
             <a:schemeClr val="accent4"/>
-          </a:fontRef>
-        </p:style>
-        <p:txBody>
-          <a:bodyPr rtlCol="0" anchor="ctr"/>
-          <a:lstStyle/>
-          <a:p>
-            <a:pPr algn="ctr"/>
-            <a:endParaRPr lang="en-US"/>
-          </a:p>
-        </p:txBody>
-      </p:sp>
-      <p:sp>
-        <p:nvSpPr>
-          <p:cNvPr id="29" name="Rectangle 28"/>
-          <p:cNvSpPr/>
-          <p:nvPr/>
-        </p:nvSpPr>
-        <p:spPr>
-          <a:xfrm>
-            <a:off x="5830441" y="4306822"/>
-            <a:ext cx="1637159" cy="1432386"/>
-          </a:xfrm>
-          <a:prstGeom prst="rect">
-            <a:avLst/>
-          </a:prstGeom>
-          <a:solidFill>
-            <a:schemeClr val="bg1"/>
-          </a:solidFill>
-          <a:ln>
-            <a:noFill/>
-          </a:ln>
-        </p:spPr>
-        <p:style>
-          <a:lnRef idx="0">
-            <a:scrgbClr r="0" g="0" b="0"/>
-          </a:lnRef>
-          <a:fillRef idx="0">
-            <a:scrgbClr r="0" g="0" b="0"/>
-          </a:fillRef>
-          <a:effectRef idx="0">
-            <a:scrgbClr r="0" g="0" b="0"/>
-          </a:effectRef>
-          <a:fontRef idx="minor">
-            <a:schemeClr val="accent1"/>
           </a:fontRef>
         </p:style>
         <p:txBody>
@@ -6865,6 +7839,52 @@
           </a:prstGeom>
         </p:spPr>
       </p:pic>
+      <p:sp>
+        <p:nvSpPr>
+          <p:cNvPr id="9" name="Slide Number Placeholder 8"/>
+          <p:cNvSpPr>
+            <a:spLocks noGrp="1"/>
+          </p:cNvSpPr>
+          <p:nvPr>
+            <p:ph type="sldNum" sz="quarter" idx="7"/>
+          </p:nvPr>
+        </p:nvSpPr>
+        <p:spPr/>
+        <p:txBody>
+          <a:bodyPr/>
+          <a:lstStyle/>
+          <a:p>
+            <a:fld id="{B6F15528-21DE-4FAA-801E-634DDDAF4B2B}" type="slidenum">
+              <a:rPr lang="en-US" smtClean="0"/>
+              <a:t>5</a:t>
+            </a:fld>
+            <a:endParaRPr lang="en-US"/>
+          </a:p>
+        </p:txBody>
+      </p:sp>
+      <p:sp>
+        <p:nvSpPr>
+          <p:cNvPr id="10" name="Date Placeholder 9"/>
+          <p:cNvSpPr>
+            <a:spLocks noGrp="1"/>
+          </p:cNvSpPr>
+          <p:nvPr>
+            <p:ph type="dt" sz="half" idx="6"/>
+          </p:nvPr>
+        </p:nvSpPr>
+        <p:spPr/>
+        <p:txBody>
+          <a:bodyPr/>
+          <a:lstStyle/>
+          <a:p>
+            <a:fld id="{F868D79A-BE86-4488-8A18-57DA3052E533}" type="datetime1">
+              <a:rPr lang="en-US" smtClean="0"/>
+              <a:t>28-Jun-19</a:t>
+            </a:fld>
+            <a:endParaRPr lang="en-US"/>
+          </a:p>
+        </p:txBody>
+      </p:sp>
     </p:spTree>
     <p:extLst>
       <p:ext uri="{BB962C8B-B14F-4D97-AF65-F5344CB8AC3E}">
@@ -6900,6 +7920,19 @@
 <file path=ppt/slides/slide6.xml><?xml version="1.0" encoding="utf-8"?>
 <p:sld xmlns:a="http://schemas.openxmlformats.org/drawingml/2006/main" xmlns:r="http://schemas.openxmlformats.org/officeDocument/2006/relationships" xmlns:p="http://schemas.openxmlformats.org/presentationml/2006/main" showMasterSp="0">
   <p:cSld>
+    <p:bg>
+      <p:bgPr>
+        <a:pattFill prst="pct5">
+          <a:fgClr>
+            <a:schemeClr val="accent1"/>
+          </a:fgClr>
+          <a:bgClr>
+            <a:schemeClr val="bg1"/>
+          </a:bgClr>
+        </a:pattFill>
+        <a:effectLst/>
+      </p:bgPr>
+    </p:bg>
     <p:spTree>
       <p:nvGrpSpPr>
         <p:cNvPr id="1" name=""/>
@@ -7093,6 +8126,192 @@
           </a:prstGeom>
         </p:spPr>
       </p:pic>
+      <p:sp>
+        <p:nvSpPr>
+          <p:cNvPr id="8" name="Slide Number Placeholder 7"/>
+          <p:cNvSpPr>
+            <a:spLocks noGrp="1"/>
+          </p:cNvSpPr>
+          <p:nvPr>
+            <p:ph type="sldNum" sz="quarter" idx="7"/>
+          </p:nvPr>
+        </p:nvSpPr>
+        <p:spPr/>
+        <p:txBody>
+          <a:bodyPr/>
+          <a:lstStyle/>
+          <a:p>
+            <a:fld id="{B6F15528-21DE-4FAA-801E-634DDDAF4B2B}" type="slidenum">
+              <a:rPr lang="en-US" smtClean="0"/>
+              <a:t>6</a:t>
+            </a:fld>
+            <a:endParaRPr lang="en-US"/>
+          </a:p>
+        </p:txBody>
+      </p:sp>
+      <p:sp>
+        <p:nvSpPr>
+          <p:cNvPr id="9" name="Date Placeholder 8"/>
+          <p:cNvSpPr>
+            <a:spLocks noGrp="1"/>
+          </p:cNvSpPr>
+          <p:nvPr>
+            <p:ph type="dt" sz="half" idx="6"/>
+          </p:nvPr>
+        </p:nvSpPr>
+        <p:spPr/>
+        <p:txBody>
+          <a:bodyPr/>
+          <a:lstStyle/>
+          <a:p>
+            <a:fld id="{887D2048-6B0E-4C32-AE91-CD4918FCE490}" type="datetime1">
+              <a:rPr lang="en-US" smtClean="0"/>
+              <a:t>28-Jun-19</a:t>
+            </a:fld>
+            <a:endParaRPr lang="en-US"/>
+          </a:p>
+        </p:txBody>
+      </p:sp>
+      <p:sp>
+        <p:nvSpPr>
+          <p:cNvPr id="11" name="TextBox 10"/>
+          <p:cNvSpPr txBox="1"/>
+          <p:nvPr/>
+        </p:nvSpPr>
+        <p:spPr>
+          <a:xfrm>
+            <a:off x="283297" y="3854695"/>
+            <a:ext cx="1545504" cy="1015663"/>
+          </a:xfrm>
+          <a:prstGeom prst="rect">
+            <a:avLst/>
+          </a:prstGeom>
+          <a:noFill/>
+        </p:spPr>
+        <p:txBody>
+          <a:bodyPr wrap="square" rtlCol="0">
+            <a:spAutoFit/>
+          </a:bodyPr>
+          <a:lstStyle/>
+          <a:p>
+            <a:r>
+              <a:rPr lang="en-US" sz="2000" b="1" dirty="0" smtClean="0">
+                <a:solidFill>
+                  <a:srgbClr val="002060"/>
+                </a:solidFill>
+                <a:latin typeface="Rockwell" panose="02060603020205020403" pitchFamily="18" charset="0"/>
+              </a:rPr>
+              <a:t>Check box for session &amp; cookies</a:t>
+            </a:r>
+            <a:endParaRPr lang="en-US" sz="2000" b="1" dirty="0">
+              <a:solidFill>
+                <a:srgbClr val="002060"/>
+              </a:solidFill>
+              <a:latin typeface="Rockwell" panose="02060603020205020403" pitchFamily="18" charset="0"/>
+            </a:endParaRPr>
+          </a:p>
+        </p:txBody>
+      </p:sp>
+      <p:cxnSp>
+        <p:nvCxnSpPr>
+          <p:cNvPr id="13" name="Straight Arrow Connector 12"/>
+          <p:cNvCxnSpPr/>
+          <p:nvPr/>
+        </p:nvCxnSpPr>
+        <p:spPr>
+          <a:xfrm flipV="1">
+            <a:off x="1867661" y="4184619"/>
+            <a:ext cx="1905000" cy="319083"/>
+          </a:xfrm>
+          <a:prstGeom prst="straightConnector1">
+            <a:avLst/>
+          </a:prstGeom>
+          <a:ln w="44450" cap="flat" cmpd="sng" algn="ctr">
+            <a:solidFill>
+              <a:srgbClr val="002060">
+                <a:alpha val="69000"/>
+              </a:srgbClr>
+            </a:solidFill>
+            <a:prstDash val="sysDash"/>
+            <a:round/>
+            <a:headEnd type="none" w="med" len="med"/>
+            <a:tailEnd type="arrow" w="med" len="med"/>
+          </a:ln>
+          <a:effectLst>
+            <a:outerShdw blurRad="50800" dist="50800" dir="5400000" sx="1000" sy="1000" algn="ctr" rotWithShape="0">
+              <a:srgbClr val="000000">
+                <a:alpha val="43137"/>
+              </a:srgbClr>
+            </a:outerShdw>
+          </a:effectLst>
+        </p:spPr>
+        <p:style>
+          <a:lnRef idx="0">
+            <a:scrgbClr r="0" g="0" b="0"/>
+          </a:lnRef>
+          <a:fillRef idx="0">
+            <a:scrgbClr r="0" g="0" b="0"/>
+          </a:fillRef>
+          <a:effectRef idx="0">
+            <a:scrgbClr r="0" g="0" b="0"/>
+          </a:effectRef>
+          <a:fontRef idx="minor">
+            <a:schemeClr val="tx1"/>
+          </a:fontRef>
+        </p:style>
+      </p:cxnSp>
+      <p:sp>
+        <p:nvSpPr>
+          <p:cNvPr id="19" name="Oval 18"/>
+          <p:cNvSpPr/>
+          <p:nvPr/>
+        </p:nvSpPr>
+        <p:spPr>
+          <a:xfrm>
+            <a:off x="3772661" y="3921739"/>
+            <a:ext cx="1866139" cy="440787"/>
+          </a:xfrm>
+          <a:prstGeom prst="ellipse">
+            <a:avLst/>
+          </a:prstGeom>
+          <a:noFill/>
+          <a:ln cmpd="sng">
+            <a:solidFill>
+              <a:srgbClr val="FF0000"/>
+            </a:solidFill>
+            <a:prstDash val="solid"/>
+          </a:ln>
+          <a:effectLst>
+            <a:outerShdw blurRad="50800" dist="50800" dir="5400000" sx="1000" sy="1000" algn="ctr" rotWithShape="0">
+              <a:srgbClr val="000000"/>
+            </a:outerShdw>
+          </a:effectLst>
+        </p:spPr>
+        <p:style>
+          <a:lnRef idx="2">
+            <a:schemeClr val="accent1">
+              <a:shade val="50000"/>
+            </a:schemeClr>
+          </a:lnRef>
+          <a:fillRef idx="1">
+            <a:schemeClr val="accent1"/>
+          </a:fillRef>
+          <a:effectRef idx="0">
+            <a:schemeClr val="accent1"/>
+          </a:effectRef>
+          <a:fontRef idx="minor">
+            <a:schemeClr val="lt1"/>
+          </a:fontRef>
+        </p:style>
+        <p:txBody>
+          <a:bodyPr rtlCol="0" anchor="ctr"/>
+          <a:lstStyle/>
+          <a:p>
+            <a:pPr algn="ctr"/>
+            <a:endParaRPr lang="en-US"/>
+          </a:p>
+        </p:txBody>
+      </p:sp>
     </p:spTree>
   </p:cSld>
   <p:clrMapOvr>
@@ -7113,9 +8332,159 @@
   <p:timing>
     <p:tnLst>
       <p:par>
-        <p:cTn id="1" dur="indefinite" restart="never" nodeType="tmRoot"/>
+        <p:cTn id="1" dur="indefinite" restart="never" nodeType="tmRoot">
+          <p:childTnLst>
+            <p:seq concurrent="1" nextAc="seek">
+              <p:cTn id="2" dur="indefinite" nodeType="mainSeq">
+                <p:childTnLst>
+                  <p:par>
+                    <p:cTn id="3" fill="hold">
+                      <p:stCondLst>
+                        <p:cond delay="indefinite"/>
+                      </p:stCondLst>
+                      <p:childTnLst>
+                        <p:par>
+                          <p:cTn id="4" fill="hold">
+                            <p:stCondLst>
+                              <p:cond delay="0"/>
+                            </p:stCondLst>
+                            <p:childTnLst>
+                              <p:par>
+                                <p:cTn id="5" presetID="6" presetClass="entr" presetSubtype="16" fill="hold" grpId="0" nodeType="clickEffect">
+                                  <p:stCondLst>
+                                    <p:cond delay="0"/>
+                                  </p:stCondLst>
+                                  <p:childTnLst>
+                                    <p:set>
+                                      <p:cBhvr>
+                                        <p:cTn id="6" dur="1" fill="hold">
+                                          <p:stCondLst>
+                                            <p:cond delay="0"/>
+                                          </p:stCondLst>
+                                        </p:cTn>
+                                        <p:tgtEl>
+                                          <p:spTgt spid="11"/>
+                                        </p:tgtEl>
+                                        <p:attrNameLst>
+                                          <p:attrName>style.visibility</p:attrName>
+                                        </p:attrNameLst>
+                                      </p:cBhvr>
+                                      <p:to>
+                                        <p:strVal val="visible"/>
+                                      </p:to>
+                                    </p:set>
+                                    <p:animEffect transition="in" filter="circle(in)">
+                                      <p:cBhvr>
+                                        <p:cTn id="7" dur="2000"/>
+                                        <p:tgtEl>
+                                          <p:spTgt spid="11"/>
+                                        </p:tgtEl>
+                                      </p:cBhvr>
+                                    </p:animEffect>
+                                  </p:childTnLst>
+                                </p:cTn>
+                              </p:par>
+                              <p:par>
+                                <p:cTn id="8" presetID="6" presetClass="entr" presetSubtype="16" fill="hold" nodeType="withEffect">
+                                  <p:stCondLst>
+                                    <p:cond delay="0"/>
+                                  </p:stCondLst>
+                                  <p:childTnLst>
+                                    <p:set>
+                                      <p:cBhvr>
+                                        <p:cTn id="9" dur="1" fill="hold">
+                                          <p:stCondLst>
+                                            <p:cond delay="0"/>
+                                          </p:stCondLst>
+                                        </p:cTn>
+                                        <p:tgtEl>
+                                          <p:spTgt spid="13"/>
+                                        </p:tgtEl>
+                                        <p:attrNameLst>
+                                          <p:attrName>style.visibility</p:attrName>
+                                        </p:attrNameLst>
+                                      </p:cBhvr>
+                                      <p:to>
+                                        <p:strVal val="visible"/>
+                                      </p:to>
+                                    </p:set>
+                                    <p:animEffect transition="in" filter="circle(in)">
+                                      <p:cBhvr>
+                                        <p:cTn id="10" dur="2000"/>
+                                        <p:tgtEl>
+                                          <p:spTgt spid="13"/>
+                                        </p:tgtEl>
+                                      </p:cBhvr>
+                                    </p:animEffect>
+                                  </p:childTnLst>
+                                </p:cTn>
+                              </p:par>
+                              <p:par>
+                                <p:cTn id="11" presetID="6" presetClass="entr" presetSubtype="16" fill="hold" grpId="0" nodeType="withEffect">
+                                  <p:stCondLst>
+                                    <p:cond delay="0"/>
+                                  </p:stCondLst>
+                                  <p:childTnLst>
+                                    <p:set>
+                                      <p:cBhvr>
+                                        <p:cTn id="12" dur="1" fill="hold">
+                                          <p:stCondLst>
+                                            <p:cond delay="0"/>
+                                          </p:stCondLst>
+                                        </p:cTn>
+                                        <p:tgtEl>
+                                          <p:spTgt spid="19"/>
+                                        </p:tgtEl>
+                                        <p:attrNameLst>
+                                          <p:attrName>style.visibility</p:attrName>
+                                        </p:attrNameLst>
+                                      </p:cBhvr>
+                                      <p:to>
+                                        <p:strVal val="visible"/>
+                                      </p:to>
+                                    </p:set>
+                                    <p:animEffect transition="in" filter="circle(in)">
+                                      <p:cBhvr>
+                                        <p:cTn id="13" dur="2000"/>
+                                        <p:tgtEl>
+                                          <p:spTgt spid="19"/>
+                                        </p:tgtEl>
+                                      </p:cBhvr>
+                                    </p:animEffect>
+                                  </p:childTnLst>
+                                </p:cTn>
+                              </p:par>
+                            </p:childTnLst>
+                          </p:cTn>
+                        </p:par>
+                      </p:childTnLst>
+                    </p:cTn>
+                  </p:par>
+                </p:childTnLst>
+              </p:cTn>
+              <p:prevCondLst>
+                <p:cond evt="onPrev" delay="0">
+                  <p:tgtEl>
+                    <p:sldTgt/>
+                  </p:tgtEl>
+                </p:cond>
+              </p:prevCondLst>
+              <p:nextCondLst>
+                <p:cond evt="onNext" delay="0">
+                  <p:tgtEl>
+                    <p:sldTgt/>
+                  </p:tgtEl>
+                </p:cond>
+              </p:nextCondLst>
+            </p:seq>
+          </p:childTnLst>
+        </p:cTn>
       </p:par>
     </p:tnLst>
+    <p:bldLst>
+      <p:bldP spid="11" grpId="0"/>
+      <p:bldP spid="19" grpId="0" animBg="1"/>
+    </p:bldLst>
   </p:timing>
 </p:sld>
 </file>
@@ -7123,6 +8492,19 @@
 <file path=ppt/slides/slide7.xml><?xml version="1.0" encoding="utf-8"?>
 <p:sld xmlns:a="http://schemas.openxmlformats.org/drawingml/2006/main" xmlns:r="http://schemas.openxmlformats.org/officeDocument/2006/relationships" xmlns:p="http://schemas.openxmlformats.org/presentationml/2006/main" showMasterSp="0">
   <p:cSld>
+    <p:bg>
+      <p:bgPr>
+        <a:pattFill prst="pct5">
+          <a:fgClr>
+            <a:schemeClr val="accent1"/>
+          </a:fgClr>
+          <a:bgClr>
+            <a:schemeClr val="bg1"/>
+          </a:bgClr>
+        </a:pattFill>
+        <a:effectLst/>
+      </p:bgPr>
+    </p:bg>
     <p:spTree>
       <p:nvGrpSpPr>
         <p:cNvPr id="1" name=""/>
@@ -7363,6 +8745,52 @@
           </a:prstGeom>
         </p:spPr>
       </p:pic>
+      <p:sp>
+        <p:nvSpPr>
+          <p:cNvPr id="8" name="Slide Number Placeholder 7"/>
+          <p:cNvSpPr>
+            <a:spLocks noGrp="1"/>
+          </p:cNvSpPr>
+          <p:nvPr>
+            <p:ph type="sldNum" sz="quarter" idx="7"/>
+          </p:nvPr>
+        </p:nvSpPr>
+        <p:spPr/>
+        <p:txBody>
+          <a:bodyPr/>
+          <a:lstStyle/>
+          <a:p>
+            <a:fld id="{B6F15528-21DE-4FAA-801E-634DDDAF4B2B}" type="slidenum">
+              <a:rPr lang="en-US" smtClean="0"/>
+              <a:t>7</a:t>
+            </a:fld>
+            <a:endParaRPr lang="en-US"/>
+          </a:p>
+        </p:txBody>
+      </p:sp>
+      <p:sp>
+        <p:nvSpPr>
+          <p:cNvPr id="9" name="Date Placeholder 8"/>
+          <p:cNvSpPr>
+            <a:spLocks noGrp="1"/>
+          </p:cNvSpPr>
+          <p:nvPr>
+            <p:ph type="dt" sz="half" idx="6"/>
+          </p:nvPr>
+        </p:nvSpPr>
+        <p:spPr/>
+        <p:txBody>
+          <a:bodyPr/>
+          <a:lstStyle/>
+          <a:p>
+            <a:fld id="{D8024660-28BF-4050-A0CC-8E7EB61B85F6}" type="datetime1">
+              <a:rPr lang="en-US" smtClean="0"/>
+              <a:t>28-Jun-19</a:t>
+            </a:fld>
+            <a:endParaRPr lang="en-US"/>
+          </a:p>
+        </p:txBody>
+      </p:sp>
     </p:spTree>
   </p:cSld>
   <p:clrMapOvr>
@@ -7393,6 +8821,19 @@
 <file path=ppt/slides/slide8.xml><?xml version="1.0" encoding="utf-8"?>
 <p:sld xmlns:a="http://schemas.openxmlformats.org/drawingml/2006/main" xmlns:r="http://schemas.openxmlformats.org/officeDocument/2006/relationships" xmlns:p="http://schemas.openxmlformats.org/presentationml/2006/main" showMasterSp="0">
   <p:cSld>
+    <p:bg>
+      <p:bgPr>
+        <a:pattFill prst="pct5">
+          <a:fgClr>
+            <a:schemeClr val="accent1"/>
+          </a:fgClr>
+          <a:bgClr>
+            <a:schemeClr val="bg1"/>
+          </a:bgClr>
+        </a:pattFill>
+        <a:effectLst/>
+      </p:bgPr>
+    </p:bg>
     <p:spTree>
       <p:nvGrpSpPr>
         <p:cNvPr id="1" name=""/>
@@ -7683,6 +9124,52 @@
           </a:prstGeom>
         </p:spPr>
       </p:pic>
+      <p:sp>
+        <p:nvSpPr>
+          <p:cNvPr id="6" name="Slide Number Placeholder 5"/>
+          <p:cNvSpPr>
+            <a:spLocks noGrp="1"/>
+          </p:cNvSpPr>
+          <p:nvPr>
+            <p:ph type="sldNum" sz="quarter" idx="7"/>
+          </p:nvPr>
+        </p:nvSpPr>
+        <p:spPr/>
+        <p:txBody>
+          <a:bodyPr/>
+          <a:lstStyle/>
+          <a:p>
+            <a:fld id="{B6F15528-21DE-4FAA-801E-634DDDAF4B2B}" type="slidenum">
+              <a:rPr lang="en-US" smtClean="0"/>
+              <a:t>8</a:t>
+            </a:fld>
+            <a:endParaRPr lang="en-US"/>
+          </a:p>
+        </p:txBody>
+      </p:sp>
+      <p:sp>
+        <p:nvSpPr>
+          <p:cNvPr id="8" name="Date Placeholder 7"/>
+          <p:cNvSpPr>
+            <a:spLocks noGrp="1"/>
+          </p:cNvSpPr>
+          <p:nvPr>
+            <p:ph type="dt" sz="half" idx="6"/>
+          </p:nvPr>
+        </p:nvSpPr>
+        <p:spPr/>
+        <p:txBody>
+          <a:bodyPr/>
+          <a:lstStyle/>
+          <a:p>
+            <a:fld id="{6C009245-1030-42BA-8E26-6B88AADC51C1}" type="datetime1">
+              <a:rPr lang="en-US" smtClean="0"/>
+              <a:t>28-Jun-19</a:t>
+            </a:fld>
+            <a:endParaRPr lang="en-US"/>
+          </a:p>
+        </p:txBody>
+      </p:sp>
     </p:spTree>
   </p:cSld>
   <p:clrMapOvr>
@@ -7713,6 +9200,19 @@
 <file path=ppt/slides/slide9.xml><?xml version="1.0" encoding="utf-8"?>
 <p:sld xmlns:a="http://schemas.openxmlformats.org/drawingml/2006/main" xmlns:r="http://schemas.openxmlformats.org/officeDocument/2006/relationships" xmlns:p="http://schemas.openxmlformats.org/presentationml/2006/main" showMasterSp="0">
   <p:cSld>
+    <p:bg>
+      <p:bgPr>
+        <a:pattFill prst="pct5">
+          <a:fgClr>
+            <a:schemeClr val="accent1"/>
+          </a:fgClr>
+          <a:bgClr>
+            <a:schemeClr val="bg1"/>
+          </a:bgClr>
+        </a:pattFill>
+        <a:effectLst/>
+      </p:bgPr>
+    </p:bg>
     <p:spTree>
       <p:nvGrpSpPr>
         <p:cNvPr id="1" name=""/>
@@ -8149,6 +9649,52 @@
           </a:prstGeom>
         </p:spPr>
       </p:pic>
+      <p:sp>
+        <p:nvSpPr>
+          <p:cNvPr id="7" name="Slide Number Placeholder 6"/>
+          <p:cNvSpPr>
+            <a:spLocks noGrp="1"/>
+          </p:cNvSpPr>
+          <p:nvPr>
+            <p:ph type="sldNum" sz="quarter" idx="7"/>
+          </p:nvPr>
+        </p:nvSpPr>
+        <p:spPr/>
+        <p:txBody>
+          <a:bodyPr/>
+          <a:lstStyle/>
+          <a:p>
+            <a:fld id="{B6F15528-21DE-4FAA-801E-634DDDAF4B2B}" type="slidenum">
+              <a:rPr lang="en-US" smtClean="0"/>
+              <a:t>9</a:t>
+            </a:fld>
+            <a:endParaRPr lang="en-US"/>
+          </a:p>
+        </p:txBody>
+      </p:sp>
+      <p:sp>
+        <p:nvSpPr>
+          <p:cNvPr id="8" name="Date Placeholder 7"/>
+          <p:cNvSpPr>
+            <a:spLocks noGrp="1"/>
+          </p:cNvSpPr>
+          <p:nvPr>
+            <p:ph type="dt" sz="half" idx="6"/>
+          </p:nvPr>
+        </p:nvSpPr>
+        <p:spPr/>
+        <p:txBody>
+          <a:bodyPr/>
+          <a:lstStyle/>
+          <a:p>
+            <a:fld id="{0E892F13-CCC3-44BF-B62A-ED324C20AFA1}" type="datetime1">
+              <a:rPr lang="en-US" smtClean="0"/>
+              <a:t>28-Jun-19</a:t>
+            </a:fld>
+            <a:endParaRPr lang="en-US"/>
+          </a:p>
+        </p:txBody>
+      </p:sp>
     </p:spTree>
   </p:cSld>
   <p:clrMapOvr>
